--- a/Unit Testing Workshop.pptx
+++ b/Unit Testing Workshop.pptx
@@ -7,57 +7,58 @@
   <p:sldIdLst>
     <p:sldId id="256" r:id="rId2"/>
     <p:sldId id="257" r:id="rId3"/>
-    <p:sldId id="259" r:id="rId4"/>
-    <p:sldId id="258" r:id="rId5"/>
-    <p:sldId id="260" r:id="rId6"/>
-    <p:sldId id="303" r:id="rId7"/>
-    <p:sldId id="262" r:id="rId8"/>
-    <p:sldId id="266" r:id="rId9"/>
-    <p:sldId id="263" r:id="rId10"/>
-    <p:sldId id="264" r:id="rId11"/>
-    <p:sldId id="265" r:id="rId12"/>
-    <p:sldId id="267" r:id="rId13"/>
-    <p:sldId id="268" r:id="rId14"/>
-    <p:sldId id="270" r:id="rId15"/>
-    <p:sldId id="269" r:id="rId16"/>
-    <p:sldId id="271" r:id="rId17"/>
-    <p:sldId id="272" r:id="rId18"/>
-    <p:sldId id="273" r:id="rId19"/>
-    <p:sldId id="274" r:id="rId20"/>
-    <p:sldId id="275" r:id="rId21"/>
-    <p:sldId id="276" r:id="rId22"/>
-    <p:sldId id="279" r:id="rId23"/>
-    <p:sldId id="277" r:id="rId24"/>
-    <p:sldId id="280" r:id="rId25"/>
-    <p:sldId id="278" r:id="rId26"/>
-    <p:sldId id="281" r:id="rId27"/>
-    <p:sldId id="282" r:id="rId28"/>
-    <p:sldId id="283" r:id="rId29"/>
-    <p:sldId id="284" r:id="rId30"/>
-    <p:sldId id="285" r:id="rId31"/>
-    <p:sldId id="286" r:id="rId32"/>
-    <p:sldId id="287" r:id="rId33"/>
-    <p:sldId id="289" r:id="rId34"/>
-    <p:sldId id="290" r:id="rId35"/>
-    <p:sldId id="288" r:id="rId36"/>
-    <p:sldId id="292" r:id="rId37"/>
-    <p:sldId id="291" r:id="rId38"/>
-    <p:sldId id="293" r:id="rId39"/>
-    <p:sldId id="294" r:id="rId40"/>
-    <p:sldId id="295" r:id="rId41"/>
-    <p:sldId id="298" r:id="rId42"/>
-    <p:sldId id="299" r:id="rId43"/>
-    <p:sldId id="296" r:id="rId44"/>
-    <p:sldId id="297" r:id="rId45"/>
-    <p:sldId id="300" r:id="rId46"/>
-    <p:sldId id="308" r:id="rId47"/>
-    <p:sldId id="301" r:id="rId48"/>
-    <p:sldId id="302" r:id="rId49"/>
-    <p:sldId id="305" r:id="rId50"/>
-    <p:sldId id="304" r:id="rId51"/>
-    <p:sldId id="307" r:id="rId52"/>
-    <p:sldId id="306" r:id="rId53"/>
-    <p:sldId id="309" r:id="rId54"/>
+    <p:sldId id="310" r:id="rId4"/>
+    <p:sldId id="259" r:id="rId5"/>
+    <p:sldId id="258" r:id="rId6"/>
+    <p:sldId id="260" r:id="rId7"/>
+    <p:sldId id="303" r:id="rId8"/>
+    <p:sldId id="262" r:id="rId9"/>
+    <p:sldId id="266" r:id="rId10"/>
+    <p:sldId id="263" r:id="rId11"/>
+    <p:sldId id="264" r:id="rId12"/>
+    <p:sldId id="265" r:id="rId13"/>
+    <p:sldId id="267" r:id="rId14"/>
+    <p:sldId id="268" r:id="rId15"/>
+    <p:sldId id="270" r:id="rId16"/>
+    <p:sldId id="269" r:id="rId17"/>
+    <p:sldId id="271" r:id="rId18"/>
+    <p:sldId id="272" r:id="rId19"/>
+    <p:sldId id="273" r:id="rId20"/>
+    <p:sldId id="274" r:id="rId21"/>
+    <p:sldId id="275" r:id="rId22"/>
+    <p:sldId id="276" r:id="rId23"/>
+    <p:sldId id="279" r:id="rId24"/>
+    <p:sldId id="277" r:id="rId25"/>
+    <p:sldId id="280" r:id="rId26"/>
+    <p:sldId id="278" r:id="rId27"/>
+    <p:sldId id="281" r:id="rId28"/>
+    <p:sldId id="282" r:id="rId29"/>
+    <p:sldId id="283" r:id="rId30"/>
+    <p:sldId id="284" r:id="rId31"/>
+    <p:sldId id="285" r:id="rId32"/>
+    <p:sldId id="286" r:id="rId33"/>
+    <p:sldId id="287" r:id="rId34"/>
+    <p:sldId id="289" r:id="rId35"/>
+    <p:sldId id="290" r:id="rId36"/>
+    <p:sldId id="288" r:id="rId37"/>
+    <p:sldId id="292" r:id="rId38"/>
+    <p:sldId id="291" r:id="rId39"/>
+    <p:sldId id="293" r:id="rId40"/>
+    <p:sldId id="294" r:id="rId41"/>
+    <p:sldId id="295" r:id="rId42"/>
+    <p:sldId id="298" r:id="rId43"/>
+    <p:sldId id="299" r:id="rId44"/>
+    <p:sldId id="296" r:id="rId45"/>
+    <p:sldId id="297" r:id="rId46"/>
+    <p:sldId id="300" r:id="rId47"/>
+    <p:sldId id="308" r:id="rId48"/>
+    <p:sldId id="301" r:id="rId49"/>
+    <p:sldId id="302" r:id="rId50"/>
+    <p:sldId id="305" r:id="rId51"/>
+    <p:sldId id="304" r:id="rId52"/>
+    <p:sldId id="307" r:id="rId53"/>
+    <p:sldId id="306" r:id="rId54"/>
+    <p:sldId id="309" r:id="rId55"/>
   </p:sldIdLst>
   <p:sldSz cx="12192000" cy="6858000"/>
   <p:notesSz cx="6858000" cy="9144000"/>
@@ -313,7 +314,7 @@
           <a:p>
             <a:fld id="{3809C563-D1C7-412D-9050-B1968C450A2B}" type="datetimeFigureOut">
               <a:rPr lang="en-BE" smtClean="0"/>
-              <a:t>27/09/2023</a:t>
+              <a:t>09/28/2023</a:t>
             </a:fld>
             <a:endParaRPr lang="en-BE"/>
           </a:p>
@@ -513,7 +514,7 @@
           <a:p>
             <a:fld id="{3809C563-D1C7-412D-9050-B1968C450A2B}" type="datetimeFigureOut">
               <a:rPr lang="en-BE" smtClean="0"/>
-              <a:t>27/09/2023</a:t>
+              <a:t>09/28/2023</a:t>
             </a:fld>
             <a:endParaRPr lang="en-BE"/>
           </a:p>
@@ -723,7 +724,7 @@
           <a:p>
             <a:fld id="{3809C563-D1C7-412D-9050-B1968C450A2B}" type="datetimeFigureOut">
               <a:rPr lang="en-BE" smtClean="0"/>
-              <a:t>27/09/2023</a:t>
+              <a:t>09/28/2023</a:t>
             </a:fld>
             <a:endParaRPr lang="en-BE"/>
           </a:p>
@@ -923,7 +924,7 @@
           <a:p>
             <a:fld id="{3809C563-D1C7-412D-9050-B1968C450A2B}" type="datetimeFigureOut">
               <a:rPr lang="en-BE" smtClean="0"/>
-              <a:t>27/09/2023</a:t>
+              <a:t>09/28/2023</a:t>
             </a:fld>
             <a:endParaRPr lang="en-BE"/>
           </a:p>
@@ -1199,7 +1200,7 @@
           <a:p>
             <a:fld id="{3809C563-D1C7-412D-9050-B1968C450A2B}" type="datetimeFigureOut">
               <a:rPr lang="en-BE" smtClean="0"/>
-              <a:t>27/09/2023</a:t>
+              <a:t>09/28/2023</a:t>
             </a:fld>
             <a:endParaRPr lang="en-BE"/>
           </a:p>
@@ -1467,7 +1468,7 @@
           <a:p>
             <a:fld id="{3809C563-D1C7-412D-9050-B1968C450A2B}" type="datetimeFigureOut">
               <a:rPr lang="en-BE" smtClean="0"/>
-              <a:t>27/09/2023</a:t>
+              <a:t>09/28/2023</a:t>
             </a:fld>
             <a:endParaRPr lang="en-BE"/>
           </a:p>
@@ -1882,7 +1883,7 @@
           <a:p>
             <a:fld id="{3809C563-D1C7-412D-9050-B1968C450A2B}" type="datetimeFigureOut">
               <a:rPr lang="en-BE" smtClean="0"/>
-              <a:t>27/09/2023</a:t>
+              <a:t>09/28/2023</a:t>
             </a:fld>
             <a:endParaRPr lang="en-BE"/>
           </a:p>
@@ -2024,7 +2025,7 @@
           <a:p>
             <a:fld id="{3809C563-D1C7-412D-9050-B1968C450A2B}" type="datetimeFigureOut">
               <a:rPr lang="en-BE" smtClean="0"/>
-              <a:t>27/09/2023</a:t>
+              <a:t>09/28/2023</a:t>
             </a:fld>
             <a:endParaRPr lang="en-BE"/>
           </a:p>
@@ -2137,7 +2138,7 @@
           <a:p>
             <a:fld id="{3809C563-D1C7-412D-9050-B1968C450A2B}" type="datetimeFigureOut">
               <a:rPr lang="en-BE" smtClean="0"/>
-              <a:t>27/09/2023</a:t>
+              <a:t>09/28/2023</a:t>
             </a:fld>
             <a:endParaRPr lang="en-BE"/>
           </a:p>
@@ -2450,7 +2451,7 @@
           <a:p>
             <a:fld id="{3809C563-D1C7-412D-9050-B1968C450A2B}" type="datetimeFigureOut">
               <a:rPr lang="en-BE" smtClean="0"/>
-              <a:t>27/09/2023</a:t>
+              <a:t>09/28/2023</a:t>
             </a:fld>
             <a:endParaRPr lang="en-BE"/>
           </a:p>
@@ -2739,7 +2740,7 @@
           <a:p>
             <a:fld id="{3809C563-D1C7-412D-9050-B1968C450A2B}" type="datetimeFigureOut">
               <a:rPr lang="en-BE" smtClean="0"/>
-              <a:t>27/09/2023</a:t>
+              <a:t>09/28/2023</a:t>
             </a:fld>
             <a:endParaRPr lang="en-BE"/>
           </a:p>
@@ -2982,7 +2983,7 @@
           <a:p>
             <a:fld id="{3809C563-D1C7-412D-9050-B1968C450A2B}" type="datetimeFigureOut">
               <a:rPr lang="en-BE" smtClean="0"/>
-              <a:t>27/09/2023</a:t>
+              <a:t>09/28/2023</a:t>
             </a:fld>
             <a:endParaRPr lang="en-BE"/>
           </a:p>
@@ -3492,7 +3493,7 @@
           <p:cNvPr id="2" name="Title 1">
             <a:extLst>
               <a:ext uri="{FF2B5EF4-FFF2-40B4-BE49-F238E27FC236}">
-                <a16:creationId xmlns:a16="http://schemas.microsoft.com/office/drawing/2014/main" id="{4E84A7B1-DD18-8724-DDA9-E3CD57A1FF91}"/>
+                <a16:creationId xmlns:a16="http://schemas.microsoft.com/office/drawing/2014/main" id="{A3A05A41-EB81-D24D-AD9C-F7390ED51BC3}"/>
               </a:ext>
             </a:extLst>
           </p:cNvPr>
@@ -3510,7 +3511,7 @@
           <a:p>
             <a:r>
               <a:rPr lang="en-US" dirty="0"/>
-              <a:t>Testing Best Practices - AAA</a:t>
+              <a:t>Unit Testing Naming Conventions</a:t>
             </a:r>
             <a:endParaRPr lang="en-BE" dirty="0"/>
           </a:p>
@@ -3521,7 +3522,7 @@
           <p:cNvPr id="3" name="Content Placeholder 2">
             <a:extLst>
               <a:ext uri="{FF2B5EF4-FFF2-40B4-BE49-F238E27FC236}">
-                <a16:creationId xmlns:a16="http://schemas.microsoft.com/office/drawing/2014/main" id="{E16C6AC9-DE1F-47FF-52DD-7EBDD3FD249D}"/>
+                <a16:creationId xmlns:a16="http://schemas.microsoft.com/office/drawing/2014/main" id="{4DB1CB42-3EB6-96D0-AD88-448558D13144}"/>
               </a:ext>
             </a:extLst>
           </p:cNvPr>
@@ -3539,19 +3540,33 @@
           <a:p>
             <a:r>
               <a:rPr lang="en-US" dirty="0"/>
-              <a:t>A: Arrange – Set up your test</a:t>
-            </a:r>
-          </a:p>
-          <a:p>
-            <a:r>
-              <a:rPr lang="en-US" dirty="0"/>
-              <a:t>A: Act – Execute the code</a:t>
-            </a:r>
-          </a:p>
-          <a:p>
-            <a:r>
-              <a:rPr lang="en-US" dirty="0"/>
-              <a:t>A: Assert – See if the end result is what you expect</a:t>
+              <a:t>Descriptive naming</a:t>
+            </a:r>
+          </a:p>
+          <a:p>
+            <a:r>
+              <a:rPr lang="en-US" dirty="0"/>
+              <a:t>{</a:t>
+            </a:r>
+            <a:r>
+              <a:rPr lang="en-US" dirty="0" err="1"/>
+              <a:t>FunctionToBeTested</a:t>
+            </a:r>
+            <a:r>
+              <a:rPr lang="en-US" dirty="0"/>
+              <a:t>}Should for filename</a:t>
+            </a:r>
+          </a:p>
+          <a:p>
+            <a:r>
+              <a:rPr lang="en-US" dirty="0"/>
+              <a:t>Name of test tells you what should happen</a:t>
+            </a:r>
+          </a:p>
+          <a:p>
+            <a:r>
+              <a:rPr lang="en-US" dirty="0"/>
+              <a:t>Ex: ShouldReturn4For2</a:t>
             </a:r>
             <a:endParaRPr lang="en-BE" dirty="0"/>
           </a:p>
@@ -3560,7 +3575,7 @@
     </p:spTree>
     <p:extLst>
       <p:ext uri="{BB962C8B-B14F-4D97-AF65-F5344CB8AC3E}">
-        <p14:creationId xmlns:p14="http://schemas.microsoft.com/office/powerpoint/2010/main" val="3184890761"/>
+        <p14:creationId xmlns:p14="http://schemas.microsoft.com/office/powerpoint/2010/main" val="2740632914"/>
       </p:ext>
     </p:extLst>
   </p:cSld>
@@ -3722,6 +3737,55 @@
                       </p:childTnLst>
                     </p:cTn>
                   </p:par>
+                  <p:par>
+                    <p:cTn id="15" fill="hold">
+                      <p:stCondLst>
+                        <p:cond delay="indefinite"/>
+                      </p:stCondLst>
+                      <p:childTnLst>
+                        <p:par>
+                          <p:cTn id="16" fill="hold">
+                            <p:stCondLst>
+                              <p:cond delay="0"/>
+                            </p:stCondLst>
+                            <p:childTnLst>
+                              <p:par>
+                                <p:cTn id="17" presetID="1" presetClass="entr" presetSubtype="0" fill="hold" grpId="0" nodeType="clickEffect">
+                                  <p:stCondLst>
+                                    <p:cond delay="0"/>
+                                  </p:stCondLst>
+                                  <p:childTnLst>
+                                    <p:set>
+                                      <p:cBhvr>
+                                        <p:cTn id="18" dur="1" fill="hold">
+                                          <p:stCondLst>
+                                            <p:cond delay="0"/>
+                                          </p:stCondLst>
+                                        </p:cTn>
+                                        <p:tgtEl>
+                                          <p:spTgt spid="3">
+                                            <p:txEl>
+                                              <p:pRg st="3" end="3"/>
+                                            </p:txEl>
+                                          </p:spTgt>
+                                        </p:tgtEl>
+                                        <p:attrNameLst>
+                                          <p:attrName>style.visibility</p:attrName>
+                                        </p:attrNameLst>
+                                      </p:cBhvr>
+                                      <p:to>
+                                        <p:strVal val="visible"/>
+                                      </p:to>
+                                    </p:set>
+                                  </p:childTnLst>
+                                </p:cTn>
+                              </p:par>
+                            </p:childTnLst>
+                          </p:cTn>
+                        </p:par>
+                      </p:childTnLst>
+                    </p:cTn>
+                  </p:par>
                 </p:childTnLst>
               </p:cTn>
               <p:prevCondLst>
@@ -3772,7 +3836,7 @@
           <p:cNvPr id="2" name="Title 1">
             <a:extLst>
               <a:ext uri="{FF2B5EF4-FFF2-40B4-BE49-F238E27FC236}">
-                <a16:creationId xmlns:a16="http://schemas.microsoft.com/office/drawing/2014/main" id="{32B6D46E-F4E4-1FC5-7632-1B79EB8838E8}"/>
+                <a16:creationId xmlns:a16="http://schemas.microsoft.com/office/drawing/2014/main" id="{4E84A7B1-DD18-8724-DDA9-E3CD57A1FF91}"/>
               </a:ext>
             </a:extLst>
           </p:cNvPr>
@@ -3790,7 +3854,7 @@
           <a:p>
             <a:r>
               <a:rPr lang="en-US" dirty="0"/>
-              <a:t>Getting Data to our test</a:t>
+              <a:t>Testing Best Practices - AAA</a:t>
             </a:r>
             <a:endParaRPr lang="en-BE" dirty="0"/>
           </a:p>
@@ -3801,7 +3865,7 @@
           <p:cNvPr id="3" name="Content Placeholder 2">
             <a:extLst>
               <a:ext uri="{FF2B5EF4-FFF2-40B4-BE49-F238E27FC236}">
-                <a16:creationId xmlns:a16="http://schemas.microsoft.com/office/drawing/2014/main" id="{4AD7FB50-A9D6-D9F2-685E-CDD6BAD42D69}"/>
+                <a16:creationId xmlns:a16="http://schemas.microsoft.com/office/drawing/2014/main" id="{E16C6AC9-DE1F-47FF-52DD-7EBDD3FD249D}"/>
               </a:ext>
             </a:extLst>
           </p:cNvPr>
@@ -3819,27 +3883,19 @@
           <a:p>
             <a:r>
               <a:rPr lang="en-US" dirty="0"/>
-              <a:t>Simplify Test writing</a:t>
-            </a:r>
-          </a:p>
-          <a:p>
-            <a:r>
-              <a:rPr lang="en-US" dirty="0"/>
-              <a:t>Use [Theory]</a:t>
-            </a:r>
-          </a:p>
-          <a:p>
-            <a:r>
-              <a:rPr lang="en-US" dirty="0"/>
-              <a:t>Inline data via [</a:t>
-            </a:r>
-            <a:r>
-              <a:rPr lang="en-US" dirty="0" err="1"/>
-              <a:t>InlineData</a:t>
-            </a:r>
-            <a:r>
-              <a:rPr lang="en-US" dirty="0"/>
-              <a:t>($Data)]</a:t>
+              <a:t>A: Arrange – Set up your test</a:t>
+            </a:r>
+          </a:p>
+          <a:p>
+            <a:r>
+              <a:rPr lang="en-US" dirty="0"/>
+              <a:t>A: Act – Execute the code</a:t>
+            </a:r>
+          </a:p>
+          <a:p>
+            <a:r>
+              <a:rPr lang="en-US" dirty="0"/>
+              <a:t>A: Assert – See if the end result is what you expect</a:t>
             </a:r>
             <a:endParaRPr lang="en-BE" dirty="0"/>
           </a:p>
@@ -3848,7 +3904,7 @@
     </p:spTree>
     <p:extLst>
       <p:ext uri="{BB962C8B-B14F-4D97-AF65-F5344CB8AC3E}">
-        <p14:creationId xmlns:p14="http://schemas.microsoft.com/office/powerpoint/2010/main" val="3713208765"/>
+        <p14:creationId xmlns:p14="http://schemas.microsoft.com/office/powerpoint/2010/main" val="3184890761"/>
       </p:ext>
     </p:extLst>
   </p:cSld>
@@ -4060,6 +4116,294 @@
           <p:cNvPr id="2" name="Title 1">
             <a:extLst>
               <a:ext uri="{FF2B5EF4-FFF2-40B4-BE49-F238E27FC236}">
+                <a16:creationId xmlns:a16="http://schemas.microsoft.com/office/drawing/2014/main" id="{32B6D46E-F4E4-1FC5-7632-1B79EB8838E8}"/>
+              </a:ext>
+            </a:extLst>
+          </p:cNvPr>
+          <p:cNvSpPr>
+            <a:spLocks noGrp="1"/>
+          </p:cNvSpPr>
+          <p:nvPr>
+            <p:ph type="title"/>
+          </p:nvPr>
+        </p:nvSpPr>
+        <p:spPr/>
+        <p:txBody>
+          <a:bodyPr/>
+          <a:lstStyle/>
+          <a:p>
+            <a:r>
+              <a:rPr lang="en-US" dirty="0"/>
+              <a:t>Getting Data to our test</a:t>
+            </a:r>
+            <a:endParaRPr lang="en-BE" dirty="0"/>
+          </a:p>
+        </p:txBody>
+      </p:sp>
+      <p:sp>
+        <p:nvSpPr>
+          <p:cNvPr id="3" name="Content Placeholder 2">
+            <a:extLst>
+              <a:ext uri="{FF2B5EF4-FFF2-40B4-BE49-F238E27FC236}">
+                <a16:creationId xmlns:a16="http://schemas.microsoft.com/office/drawing/2014/main" id="{4AD7FB50-A9D6-D9F2-685E-CDD6BAD42D69}"/>
+              </a:ext>
+            </a:extLst>
+          </p:cNvPr>
+          <p:cNvSpPr>
+            <a:spLocks noGrp="1"/>
+          </p:cNvSpPr>
+          <p:nvPr>
+            <p:ph idx="1"/>
+          </p:nvPr>
+        </p:nvSpPr>
+        <p:spPr/>
+        <p:txBody>
+          <a:bodyPr/>
+          <a:lstStyle/>
+          <a:p>
+            <a:r>
+              <a:rPr lang="en-US" dirty="0"/>
+              <a:t>Simplify Test writing</a:t>
+            </a:r>
+          </a:p>
+          <a:p>
+            <a:r>
+              <a:rPr lang="en-US" dirty="0"/>
+              <a:t>Use [Theory]</a:t>
+            </a:r>
+          </a:p>
+          <a:p>
+            <a:r>
+              <a:rPr lang="en-US" dirty="0"/>
+              <a:t>Inline data via [</a:t>
+            </a:r>
+            <a:r>
+              <a:rPr lang="en-US" dirty="0" err="1"/>
+              <a:t>InlineData</a:t>
+            </a:r>
+            <a:r>
+              <a:rPr lang="en-US" dirty="0"/>
+              <a:t>($Data)]</a:t>
+            </a:r>
+            <a:endParaRPr lang="en-BE" dirty="0"/>
+          </a:p>
+        </p:txBody>
+      </p:sp>
+    </p:spTree>
+    <p:extLst>
+      <p:ext uri="{BB962C8B-B14F-4D97-AF65-F5344CB8AC3E}">
+        <p14:creationId xmlns:p14="http://schemas.microsoft.com/office/powerpoint/2010/main" val="3713208765"/>
+      </p:ext>
+    </p:extLst>
+  </p:cSld>
+  <p:clrMapOvr>
+    <a:masterClrMapping/>
+  </p:clrMapOvr>
+  <p:timing>
+    <p:tnLst>
+      <p:par>
+        <p:cTn id="1" dur="indefinite" restart="never" nodeType="tmRoot">
+          <p:childTnLst>
+            <p:seq concurrent="1" nextAc="seek">
+              <p:cTn id="2" dur="indefinite" nodeType="mainSeq">
+                <p:childTnLst>
+                  <p:par>
+                    <p:cTn id="3" fill="hold">
+                      <p:stCondLst>
+                        <p:cond delay="indefinite"/>
+                      </p:stCondLst>
+                      <p:childTnLst>
+                        <p:par>
+                          <p:cTn id="4" fill="hold">
+                            <p:stCondLst>
+                              <p:cond delay="0"/>
+                            </p:stCondLst>
+                            <p:childTnLst>
+                              <p:par>
+                                <p:cTn id="5" presetID="1" presetClass="entr" presetSubtype="0" fill="hold" grpId="0" nodeType="clickEffect">
+                                  <p:stCondLst>
+                                    <p:cond delay="0"/>
+                                  </p:stCondLst>
+                                  <p:childTnLst>
+                                    <p:set>
+                                      <p:cBhvr>
+                                        <p:cTn id="6" dur="1" fill="hold">
+                                          <p:stCondLst>
+                                            <p:cond delay="0"/>
+                                          </p:stCondLst>
+                                        </p:cTn>
+                                        <p:tgtEl>
+                                          <p:spTgt spid="3">
+                                            <p:txEl>
+                                              <p:pRg st="0" end="0"/>
+                                            </p:txEl>
+                                          </p:spTgt>
+                                        </p:tgtEl>
+                                        <p:attrNameLst>
+                                          <p:attrName>style.visibility</p:attrName>
+                                        </p:attrNameLst>
+                                      </p:cBhvr>
+                                      <p:to>
+                                        <p:strVal val="visible"/>
+                                      </p:to>
+                                    </p:set>
+                                  </p:childTnLst>
+                                </p:cTn>
+                              </p:par>
+                            </p:childTnLst>
+                          </p:cTn>
+                        </p:par>
+                      </p:childTnLst>
+                    </p:cTn>
+                  </p:par>
+                  <p:par>
+                    <p:cTn id="7" fill="hold">
+                      <p:stCondLst>
+                        <p:cond delay="indefinite"/>
+                      </p:stCondLst>
+                      <p:childTnLst>
+                        <p:par>
+                          <p:cTn id="8" fill="hold">
+                            <p:stCondLst>
+                              <p:cond delay="0"/>
+                            </p:stCondLst>
+                            <p:childTnLst>
+                              <p:par>
+                                <p:cTn id="9" presetID="1" presetClass="entr" presetSubtype="0" fill="hold" grpId="0" nodeType="clickEffect">
+                                  <p:stCondLst>
+                                    <p:cond delay="0"/>
+                                  </p:stCondLst>
+                                  <p:childTnLst>
+                                    <p:set>
+                                      <p:cBhvr>
+                                        <p:cTn id="10" dur="1" fill="hold">
+                                          <p:stCondLst>
+                                            <p:cond delay="0"/>
+                                          </p:stCondLst>
+                                        </p:cTn>
+                                        <p:tgtEl>
+                                          <p:spTgt spid="3">
+                                            <p:txEl>
+                                              <p:pRg st="1" end="1"/>
+                                            </p:txEl>
+                                          </p:spTgt>
+                                        </p:tgtEl>
+                                        <p:attrNameLst>
+                                          <p:attrName>style.visibility</p:attrName>
+                                        </p:attrNameLst>
+                                      </p:cBhvr>
+                                      <p:to>
+                                        <p:strVal val="visible"/>
+                                      </p:to>
+                                    </p:set>
+                                  </p:childTnLst>
+                                </p:cTn>
+                              </p:par>
+                            </p:childTnLst>
+                          </p:cTn>
+                        </p:par>
+                      </p:childTnLst>
+                    </p:cTn>
+                  </p:par>
+                  <p:par>
+                    <p:cTn id="11" fill="hold">
+                      <p:stCondLst>
+                        <p:cond delay="indefinite"/>
+                      </p:stCondLst>
+                      <p:childTnLst>
+                        <p:par>
+                          <p:cTn id="12" fill="hold">
+                            <p:stCondLst>
+                              <p:cond delay="0"/>
+                            </p:stCondLst>
+                            <p:childTnLst>
+                              <p:par>
+                                <p:cTn id="13" presetID="1" presetClass="entr" presetSubtype="0" fill="hold" grpId="0" nodeType="clickEffect">
+                                  <p:stCondLst>
+                                    <p:cond delay="0"/>
+                                  </p:stCondLst>
+                                  <p:childTnLst>
+                                    <p:set>
+                                      <p:cBhvr>
+                                        <p:cTn id="14" dur="1" fill="hold">
+                                          <p:stCondLst>
+                                            <p:cond delay="0"/>
+                                          </p:stCondLst>
+                                        </p:cTn>
+                                        <p:tgtEl>
+                                          <p:spTgt spid="3">
+                                            <p:txEl>
+                                              <p:pRg st="2" end="2"/>
+                                            </p:txEl>
+                                          </p:spTgt>
+                                        </p:tgtEl>
+                                        <p:attrNameLst>
+                                          <p:attrName>style.visibility</p:attrName>
+                                        </p:attrNameLst>
+                                      </p:cBhvr>
+                                      <p:to>
+                                        <p:strVal val="visible"/>
+                                      </p:to>
+                                    </p:set>
+                                  </p:childTnLst>
+                                </p:cTn>
+                              </p:par>
+                            </p:childTnLst>
+                          </p:cTn>
+                        </p:par>
+                      </p:childTnLst>
+                    </p:cTn>
+                  </p:par>
+                </p:childTnLst>
+              </p:cTn>
+              <p:prevCondLst>
+                <p:cond evt="onPrev" delay="0">
+                  <p:tgtEl>
+                    <p:sldTgt/>
+                  </p:tgtEl>
+                </p:cond>
+              </p:prevCondLst>
+              <p:nextCondLst>
+                <p:cond evt="onNext" delay="0">
+                  <p:tgtEl>
+                    <p:sldTgt/>
+                  </p:tgtEl>
+                </p:cond>
+              </p:nextCondLst>
+            </p:seq>
+          </p:childTnLst>
+        </p:cTn>
+      </p:par>
+    </p:tnLst>
+    <p:bldLst>
+      <p:bldP spid="3" grpId="0" build="p"/>
+    </p:bldLst>
+  </p:timing>
+</p:sld>
+</file>
+
+<file path=ppt/slides/slide13.xml><?xml version="1.0" encoding="utf-8"?>
+<p:sld xmlns:a="http://schemas.openxmlformats.org/drawingml/2006/main" xmlns:r="http://schemas.openxmlformats.org/officeDocument/2006/relationships" xmlns:p="http://schemas.openxmlformats.org/presentationml/2006/main">
+  <p:cSld>
+    <p:spTree>
+      <p:nvGrpSpPr>
+        <p:cNvPr id="1" name=""/>
+        <p:cNvGrpSpPr/>
+        <p:nvPr/>
+      </p:nvGrpSpPr>
+      <p:grpSpPr>
+        <a:xfrm>
+          <a:off x="0" y="0"/>
+          <a:ext cx="0" cy="0"/>
+          <a:chOff x="0" y="0"/>
+          <a:chExt cx="0" cy="0"/>
+        </a:xfrm>
+      </p:grpSpPr>
+      <p:sp>
+        <p:nvSpPr>
+          <p:cNvPr id="2" name="Title 1">
+            <a:extLst>
+              <a:ext uri="{FF2B5EF4-FFF2-40B4-BE49-F238E27FC236}">
                 <a16:creationId xmlns:a16="http://schemas.microsoft.com/office/drawing/2014/main" id="{E1402B11-8E7B-A940-FAFA-AAAD5DB0C78B}"/>
               </a:ext>
             </a:extLst>
@@ -4126,7 +4470,7 @@
 </p:sld>
 </file>
 
-<file path=ppt/slides/slide13.xml><?xml version="1.0" encoding="utf-8"?>
+<file path=ppt/slides/slide14.xml><?xml version="1.0" encoding="utf-8"?>
 <p:sld xmlns:a="http://schemas.openxmlformats.org/drawingml/2006/main" xmlns:r="http://schemas.openxmlformats.org/officeDocument/2006/relationships" xmlns:p="http://schemas.openxmlformats.org/presentationml/2006/main">
   <p:cSld>
     <p:spTree>
@@ -4246,7 +4590,7 @@
 </p:sld>
 </file>
 
-<file path=ppt/slides/slide14.xml><?xml version="1.0" encoding="utf-8"?>
+<file path=ppt/slides/slide15.xml><?xml version="1.0" encoding="utf-8"?>
 <p:sld xmlns:a="http://schemas.openxmlformats.org/drawingml/2006/main" xmlns:r="http://schemas.openxmlformats.org/officeDocument/2006/relationships" xmlns:p="http://schemas.openxmlformats.org/presentationml/2006/main">
   <p:cSld>
     <p:spTree>
@@ -4334,7 +4678,7 @@
 </p:sld>
 </file>
 
-<file path=ppt/slides/slide15.xml><?xml version="1.0" encoding="utf-8"?>
+<file path=ppt/slides/slide16.xml><?xml version="1.0" encoding="utf-8"?>
 <p:sld xmlns:a="http://schemas.openxmlformats.org/drawingml/2006/main" xmlns:r="http://schemas.openxmlformats.org/officeDocument/2006/relationships" xmlns:p="http://schemas.openxmlformats.org/presentationml/2006/main">
   <p:cSld>
     <p:spTree>
@@ -4639,7 +4983,7 @@
 </p:sld>
 </file>
 
-<file path=ppt/slides/slide16.xml><?xml version="1.0" encoding="utf-8"?>
+<file path=ppt/slides/slide17.xml><?xml version="1.0" encoding="utf-8"?>
 <p:sld xmlns:a="http://schemas.openxmlformats.org/drawingml/2006/main" xmlns:r="http://schemas.openxmlformats.org/officeDocument/2006/relationships" xmlns:p="http://schemas.openxmlformats.org/presentationml/2006/main">
   <p:cSld>
     <p:spTree>
@@ -4727,7 +5071,7 @@
 </p:sld>
 </file>
 
-<file path=ppt/slides/slide17.xml><?xml version="1.0" encoding="utf-8"?>
+<file path=ppt/slides/slide18.xml><?xml version="1.0" encoding="utf-8"?>
 <p:sld xmlns:a="http://schemas.openxmlformats.org/drawingml/2006/main" xmlns:r="http://schemas.openxmlformats.org/officeDocument/2006/relationships" xmlns:p="http://schemas.openxmlformats.org/presentationml/2006/main">
   <p:cSld>
     <p:spTree>
@@ -5085,101 +5429,6 @@
 </p:sld>
 </file>
 
-<file path=ppt/slides/slide18.xml><?xml version="1.0" encoding="utf-8"?>
-<p:sld xmlns:a="http://schemas.openxmlformats.org/drawingml/2006/main" xmlns:r="http://schemas.openxmlformats.org/officeDocument/2006/relationships" xmlns:p="http://schemas.openxmlformats.org/presentationml/2006/main">
-  <p:cSld>
-    <p:spTree>
-      <p:nvGrpSpPr>
-        <p:cNvPr id="1" name=""/>
-        <p:cNvGrpSpPr/>
-        <p:nvPr/>
-      </p:nvGrpSpPr>
-      <p:grpSpPr>
-        <a:xfrm>
-          <a:off x="0" y="0"/>
-          <a:ext cx="0" cy="0"/>
-          <a:chOff x="0" y="0"/>
-          <a:chExt cx="0" cy="0"/>
-        </a:xfrm>
-      </p:grpSpPr>
-      <p:sp>
-        <p:nvSpPr>
-          <p:cNvPr id="2" name="Title 1">
-            <a:extLst>
-              <a:ext uri="{FF2B5EF4-FFF2-40B4-BE49-F238E27FC236}">
-                <a16:creationId xmlns:a16="http://schemas.microsoft.com/office/drawing/2014/main" id="{7B7276B0-2BFC-98A6-74BC-6D1D62DDF2B9}"/>
-              </a:ext>
-            </a:extLst>
-          </p:cNvPr>
-          <p:cNvSpPr>
-            <a:spLocks noGrp="1"/>
-          </p:cNvSpPr>
-          <p:nvPr>
-            <p:ph type="title"/>
-          </p:nvPr>
-        </p:nvSpPr>
-        <p:spPr/>
-        <p:txBody>
-          <a:bodyPr/>
-          <a:lstStyle/>
-          <a:p>
-            <a:r>
-              <a:rPr lang="en-US" dirty="0"/>
-              <a:t>A bit of note-taking</a:t>
-            </a:r>
-            <a:endParaRPr lang="en-BE" dirty="0"/>
-          </a:p>
-        </p:txBody>
-      </p:sp>
-      <p:sp>
-        <p:nvSpPr>
-          <p:cNvPr id="3" name="Content Placeholder 2">
-            <a:extLst>
-              <a:ext uri="{FF2B5EF4-FFF2-40B4-BE49-F238E27FC236}">
-                <a16:creationId xmlns:a16="http://schemas.microsoft.com/office/drawing/2014/main" id="{385E1EC7-5F33-7630-A5D9-206AD8749C7D}"/>
-              </a:ext>
-            </a:extLst>
-          </p:cNvPr>
-          <p:cNvSpPr>
-            <a:spLocks noGrp="1"/>
-          </p:cNvSpPr>
-          <p:nvPr>
-            <p:ph idx="1"/>
-          </p:nvPr>
-        </p:nvSpPr>
-        <p:spPr/>
-        <p:txBody>
-          <a:bodyPr/>
-          <a:lstStyle/>
-          <a:p>
-            <a:r>
-              <a:rPr lang="en-US" dirty="0" err="1"/>
-              <a:t>Outputhelper</a:t>
-            </a:r>
-            <a:endParaRPr lang="en-US" dirty="0"/>
-          </a:p>
-          <a:p>
-            <a:r>
-              <a:rPr lang="en-US" dirty="0"/>
-              <a:t>Put some logs in your tests</a:t>
-            </a:r>
-            <a:endParaRPr lang="en-BE" dirty="0"/>
-          </a:p>
-        </p:txBody>
-      </p:sp>
-    </p:spTree>
-    <p:extLst>
-      <p:ext uri="{BB962C8B-B14F-4D97-AF65-F5344CB8AC3E}">
-        <p14:creationId xmlns:p14="http://schemas.microsoft.com/office/powerpoint/2010/main" val="1283890687"/>
-      </p:ext>
-    </p:extLst>
-  </p:cSld>
-  <p:clrMapOvr>
-    <a:masterClrMapping/>
-  </p:clrMapOvr>
-</p:sld>
-</file>
-
 <file path=ppt/slides/slide19.xml><?xml version="1.0" encoding="utf-8"?>
 <p:sld xmlns:a="http://schemas.openxmlformats.org/drawingml/2006/main" xmlns:r="http://schemas.openxmlformats.org/officeDocument/2006/relationships" xmlns:p="http://schemas.openxmlformats.org/presentationml/2006/main">
   <p:cSld>
@@ -5202,7 +5451,7 @@
           <p:cNvPr id="2" name="Title 1">
             <a:extLst>
               <a:ext uri="{FF2B5EF4-FFF2-40B4-BE49-F238E27FC236}">
-                <a16:creationId xmlns:a16="http://schemas.microsoft.com/office/drawing/2014/main" id="{E18B6177-08E1-0FD9-C3C4-23D9F27B6778}"/>
+                <a16:creationId xmlns:a16="http://schemas.microsoft.com/office/drawing/2014/main" id="{7B7276B0-2BFC-98A6-74BC-6D1D62DDF2B9}"/>
               </a:ext>
             </a:extLst>
           </p:cNvPr>
@@ -5220,45 +5469,52 @@
           <a:p>
             <a:r>
               <a:rPr lang="en-US" dirty="0"/>
-              <a:t>A collection, shared for different runs</a:t>
+              <a:t>A bit of note-taking</a:t>
             </a:r>
             <a:endParaRPr lang="en-BE" dirty="0"/>
           </a:p>
         </p:txBody>
       </p:sp>
-      <p:pic>
-        <p:nvPicPr>
-          <p:cNvPr id="5" name="Content Placeholder 4">
-            <a:extLst>
-              <a:ext uri="{FF2B5EF4-FFF2-40B4-BE49-F238E27FC236}">
-                <a16:creationId xmlns:a16="http://schemas.microsoft.com/office/drawing/2014/main" id="{6254AE04-EF9D-DAA5-ACAD-1FB7331A2340}"/>
-              </a:ext>
-            </a:extLst>
-          </p:cNvPr>
-          <p:cNvPicPr>
-            <a:picLocks noGrp="1" noChangeAspect="1"/>
-          </p:cNvPicPr>
+      <p:sp>
+        <p:nvSpPr>
+          <p:cNvPr id="3" name="Content Placeholder 2">
+            <a:extLst>
+              <a:ext uri="{FF2B5EF4-FFF2-40B4-BE49-F238E27FC236}">
+                <a16:creationId xmlns:a16="http://schemas.microsoft.com/office/drawing/2014/main" id="{385E1EC7-5F33-7630-A5D9-206AD8749C7D}"/>
+              </a:ext>
+            </a:extLst>
+          </p:cNvPr>
+          <p:cNvSpPr>
+            <a:spLocks noGrp="1"/>
+          </p:cNvSpPr>
           <p:nvPr>
             <p:ph idx="1"/>
           </p:nvPr>
-        </p:nvPicPr>
-        <p:blipFill>
-          <a:blip r:embed="rId2"/>
-          <a:stretch>
-            <a:fillRect/>
-          </a:stretch>
-        </p:blipFill>
-        <p:spPr>
-          <a:xfrm>
-            <a:off x="3423864" y="2172238"/>
-            <a:ext cx="5344271" cy="3658111"/>
-          </a:xfrm>
-        </p:spPr>
-      </p:pic>
+        </p:nvSpPr>
+        <p:spPr/>
+        <p:txBody>
+          <a:bodyPr/>
+          <a:lstStyle/>
+          <a:p>
+            <a:r>
+              <a:rPr lang="en-US" dirty="0" err="1"/>
+              <a:t>Outputhelper</a:t>
+            </a:r>
+            <a:endParaRPr lang="en-US" dirty="0"/>
+          </a:p>
+          <a:p>
+            <a:r>
+              <a:rPr lang="en-US" dirty="0"/>
+              <a:t>Put some logs in your tests</a:t>
+            </a:r>
+            <a:endParaRPr lang="en-BE" dirty="0"/>
+          </a:p>
+        </p:txBody>
+      </p:sp>
     </p:spTree>
     <p:extLst>
       <p:ext uri="{BB962C8B-B14F-4D97-AF65-F5344CB8AC3E}">
-        <p14:creationId xmlns:p14="http://schemas.microsoft.com/office/powerpoint/2010/main" val="3073328346"/>
+        <p14:creationId xmlns:p14="http://schemas.microsoft.com/office/powerpoint/2010/main" val="1283890687"/>
       </p:ext>
     </p:extLst>
   </p:cSld>
@@ -5736,6 +5992,94 @@
           <p:cNvPr id="2" name="Title 1">
             <a:extLst>
               <a:ext uri="{FF2B5EF4-FFF2-40B4-BE49-F238E27FC236}">
+                <a16:creationId xmlns:a16="http://schemas.microsoft.com/office/drawing/2014/main" id="{E18B6177-08E1-0FD9-C3C4-23D9F27B6778}"/>
+              </a:ext>
+            </a:extLst>
+          </p:cNvPr>
+          <p:cNvSpPr>
+            <a:spLocks noGrp="1"/>
+          </p:cNvSpPr>
+          <p:nvPr>
+            <p:ph type="title"/>
+          </p:nvPr>
+        </p:nvSpPr>
+        <p:spPr/>
+        <p:txBody>
+          <a:bodyPr/>
+          <a:lstStyle/>
+          <a:p>
+            <a:r>
+              <a:rPr lang="en-US" dirty="0"/>
+              <a:t>A collection, shared for different runs</a:t>
+            </a:r>
+            <a:endParaRPr lang="en-BE" dirty="0"/>
+          </a:p>
+        </p:txBody>
+      </p:sp>
+      <p:pic>
+        <p:nvPicPr>
+          <p:cNvPr id="5" name="Content Placeholder 4">
+            <a:extLst>
+              <a:ext uri="{FF2B5EF4-FFF2-40B4-BE49-F238E27FC236}">
+                <a16:creationId xmlns:a16="http://schemas.microsoft.com/office/drawing/2014/main" id="{6254AE04-EF9D-DAA5-ACAD-1FB7331A2340}"/>
+              </a:ext>
+            </a:extLst>
+          </p:cNvPr>
+          <p:cNvPicPr>
+            <a:picLocks noGrp="1" noChangeAspect="1"/>
+          </p:cNvPicPr>
+          <p:nvPr>
+            <p:ph idx="1"/>
+          </p:nvPr>
+        </p:nvPicPr>
+        <p:blipFill>
+          <a:blip r:embed="rId2"/>
+          <a:stretch>
+            <a:fillRect/>
+          </a:stretch>
+        </p:blipFill>
+        <p:spPr>
+          <a:xfrm>
+            <a:off x="3423864" y="2172238"/>
+            <a:ext cx="5344271" cy="3658111"/>
+          </a:xfrm>
+        </p:spPr>
+      </p:pic>
+    </p:spTree>
+    <p:extLst>
+      <p:ext uri="{BB962C8B-B14F-4D97-AF65-F5344CB8AC3E}">
+        <p14:creationId xmlns:p14="http://schemas.microsoft.com/office/powerpoint/2010/main" val="3073328346"/>
+      </p:ext>
+    </p:extLst>
+  </p:cSld>
+  <p:clrMapOvr>
+    <a:masterClrMapping/>
+  </p:clrMapOvr>
+</p:sld>
+</file>
+
+<file path=ppt/slides/slide21.xml><?xml version="1.0" encoding="utf-8"?>
+<p:sld xmlns:a="http://schemas.openxmlformats.org/drawingml/2006/main" xmlns:r="http://schemas.openxmlformats.org/officeDocument/2006/relationships" xmlns:p="http://schemas.openxmlformats.org/presentationml/2006/main">
+  <p:cSld>
+    <p:spTree>
+      <p:nvGrpSpPr>
+        <p:cNvPr id="1" name=""/>
+        <p:cNvGrpSpPr/>
+        <p:nvPr/>
+      </p:nvGrpSpPr>
+      <p:grpSpPr>
+        <a:xfrm>
+          <a:off x="0" y="0"/>
+          <a:ext cx="0" cy="0"/>
+          <a:chOff x="0" y="0"/>
+          <a:chExt cx="0" cy="0"/>
+        </a:xfrm>
+      </p:grpSpPr>
+      <p:sp>
+        <p:nvSpPr>
+          <p:cNvPr id="2" name="Title 1">
+            <a:extLst>
+              <a:ext uri="{FF2B5EF4-FFF2-40B4-BE49-F238E27FC236}">
                 <a16:creationId xmlns:a16="http://schemas.microsoft.com/office/drawing/2014/main" id="{CD307A77-95D0-C3F8-20AB-A55CE0E6C16E}"/>
               </a:ext>
             </a:extLst>
@@ -5828,7 +6172,7 @@
 </p:sld>
 </file>
 
-<file path=ppt/slides/slide21.xml><?xml version="1.0" encoding="utf-8"?>
+<file path=ppt/slides/slide22.xml><?xml version="1.0" encoding="utf-8"?>
 <p:sld xmlns:a="http://schemas.openxmlformats.org/drawingml/2006/main" xmlns:r="http://schemas.openxmlformats.org/officeDocument/2006/relationships" xmlns:p="http://schemas.openxmlformats.org/presentationml/2006/main">
   <p:cSld>
     <p:spTree>
@@ -5942,7 +6286,7 @@
 </p:sld>
 </file>
 
-<file path=ppt/slides/slide22.xml><?xml version="1.0" encoding="utf-8"?>
+<file path=ppt/slides/slide23.xml><?xml version="1.0" encoding="utf-8"?>
 <p:sld xmlns:a="http://schemas.openxmlformats.org/drawingml/2006/main" xmlns:r="http://schemas.openxmlformats.org/officeDocument/2006/relationships" xmlns:p="http://schemas.openxmlformats.org/presentationml/2006/main">
   <p:cSld>
     <p:spTree>
@@ -6030,7 +6374,7 @@
 </p:sld>
 </file>
 
-<file path=ppt/slides/slide23.xml><?xml version="1.0" encoding="utf-8"?>
+<file path=ppt/slides/slide24.xml><?xml version="1.0" encoding="utf-8"?>
 <p:sld xmlns:a="http://schemas.openxmlformats.org/drawingml/2006/main" xmlns:r="http://schemas.openxmlformats.org/officeDocument/2006/relationships" xmlns:p="http://schemas.openxmlformats.org/presentationml/2006/main">
   <p:cSld>
     <p:spTree>
@@ -6371,94 +6715,6 @@
 </p:sld>
 </file>
 
-<file path=ppt/slides/slide24.xml><?xml version="1.0" encoding="utf-8"?>
-<p:sld xmlns:a="http://schemas.openxmlformats.org/drawingml/2006/main" xmlns:r="http://schemas.openxmlformats.org/officeDocument/2006/relationships" xmlns:p="http://schemas.openxmlformats.org/presentationml/2006/main">
-  <p:cSld>
-    <p:spTree>
-      <p:nvGrpSpPr>
-        <p:cNvPr id="1" name=""/>
-        <p:cNvGrpSpPr/>
-        <p:nvPr/>
-      </p:nvGrpSpPr>
-      <p:grpSpPr>
-        <a:xfrm>
-          <a:off x="0" y="0"/>
-          <a:ext cx="0" cy="0"/>
-          <a:chOff x="0" y="0"/>
-          <a:chExt cx="0" cy="0"/>
-        </a:xfrm>
-      </p:grpSpPr>
-      <p:sp>
-        <p:nvSpPr>
-          <p:cNvPr id="2" name="Title 1">
-            <a:extLst>
-              <a:ext uri="{FF2B5EF4-FFF2-40B4-BE49-F238E27FC236}">
-                <a16:creationId xmlns:a16="http://schemas.microsoft.com/office/drawing/2014/main" id="{E5C42850-8365-694A-4191-38403D20C229}"/>
-              </a:ext>
-            </a:extLst>
-          </p:cNvPr>
-          <p:cNvSpPr>
-            <a:spLocks noGrp="1"/>
-          </p:cNvSpPr>
-          <p:nvPr>
-            <p:ph type="title"/>
-          </p:nvPr>
-        </p:nvSpPr>
-        <p:spPr/>
-        <p:txBody>
-          <a:bodyPr/>
-          <a:lstStyle/>
-          <a:p>
-            <a:r>
-              <a:rPr lang="en-US" dirty="0"/>
-              <a:t>That’s the basics</a:t>
-            </a:r>
-            <a:endParaRPr lang="en-BE" dirty="0"/>
-          </a:p>
-        </p:txBody>
-      </p:sp>
-      <p:sp>
-        <p:nvSpPr>
-          <p:cNvPr id="3" name="Content Placeholder 2">
-            <a:extLst>
-              <a:ext uri="{FF2B5EF4-FFF2-40B4-BE49-F238E27FC236}">
-                <a16:creationId xmlns:a16="http://schemas.microsoft.com/office/drawing/2014/main" id="{62DAC15B-4372-5AFF-979A-B9AAE3AA315A}"/>
-              </a:ext>
-            </a:extLst>
-          </p:cNvPr>
-          <p:cNvSpPr>
-            <a:spLocks noGrp="1"/>
-          </p:cNvSpPr>
-          <p:nvPr>
-            <p:ph idx="1"/>
-          </p:nvPr>
-        </p:nvSpPr>
-        <p:spPr/>
-        <p:txBody>
-          <a:bodyPr/>
-          <a:lstStyle/>
-          <a:p>
-            <a:r>
-              <a:rPr lang="en-US" dirty="0"/>
-              <a:t>Let’s actually make unit tests good</a:t>
-            </a:r>
-            <a:endParaRPr lang="en-BE" dirty="0"/>
-          </a:p>
-        </p:txBody>
-      </p:sp>
-    </p:spTree>
-    <p:extLst>
-      <p:ext uri="{BB962C8B-B14F-4D97-AF65-F5344CB8AC3E}">
-        <p14:creationId xmlns:p14="http://schemas.microsoft.com/office/powerpoint/2010/main" val="769802410"/>
-      </p:ext>
-    </p:extLst>
-  </p:cSld>
-  <p:clrMapOvr>
-    <a:masterClrMapping/>
-  </p:clrMapOvr>
-</p:sld>
-</file>
-
 <file path=ppt/slides/slide25.xml><?xml version="1.0" encoding="utf-8"?>
 <p:sld xmlns:a="http://schemas.openxmlformats.org/drawingml/2006/main" xmlns:r="http://schemas.openxmlformats.org/officeDocument/2006/relationships" xmlns:p="http://schemas.openxmlformats.org/presentationml/2006/main">
   <p:cSld>
@@ -6481,6 +6737,94 @@
           <p:cNvPr id="2" name="Title 1">
             <a:extLst>
               <a:ext uri="{FF2B5EF4-FFF2-40B4-BE49-F238E27FC236}">
+                <a16:creationId xmlns:a16="http://schemas.microsoft.com/office/drawing/2014/main" id="{E5C42850-8365-694A-4191-38403D20C229}"/>
+              </a:ext>
+            </a:extLst>
+          </p:cNvPr>
+          <p:cNvSpPr>
+            <a:spLocks noGrp="1"/>
+          </p:cNvSpPr>
+          <p:nvPr>
+            <p:ph type="title"/>
+          </p:nvPr>
+        </p:nvSpPr>
+        <p:spPr/>
+        <p:txBody>
+          <a:bodyPr/>
+          <a:lstStyle/>
+          <a:p>
+            <a:r>
+              <a:rPr lang="en-US" dirty="0"/>
+              <a:t>That’s the basics</a:t>
+            </a:r>
+            <a:endParaRPr lang="en-BE" dirty="0"/>
+          </a:p>
+        </p:txBody>
+      </p:sp>
+      <p:sp>
+        <p:nvSpPr>
+          <p:cNvPr id="3" name="Content Placeholder 2">
+            <a:extLst>
+              <a:ext uri="{FF2B5EF4-FFF2-40B4-BE49-F238E27FC236}">
+                <a16:creationId xmlns:a16="http://schemas.microsoft.com/office/drawing/2014/main" id="{62DAC15B-4372-5AFF-979A-B9AAE3AA315A}"/>
+              </a:ext>
+            </a:extLst>
+          </p:cNvPr>
+          <p:cNvSpPr>
+            <a:spLocks noGrp="1"/>
+          </p:cNvSpPr>
+          <p:nvPr>
+            <p:ph idx="1"/>
+          </p:nvPr>
+        </p:nvSpPr>
+        <p:spPr/>
+        <p:txBody>
+          <a:bodyPr/>
+          <a:lstStyle/>
+          <a:p>
+            <a:r>
+              <a:rPr lang="en-US" dirty="0"/>
+              <a:t>Let’s actually make unit tests good</a:t>
+            </a:r>
+            <a:endParaRPr lang="en-BE" dirty="0"/>
+          </a:p>
+        </p:txBody>
+      </p:sp>
+    </p:spTree>
+    <p:extLst>
+      <p:ext uri="{BB962C8B-B14F-4D97-AF65-F5344CB8AC3E}">
+        <p14:creationId xmlns:p14="http://schemas.microsoft.com/office/powerpoint/2010/main" val="769802410"/>
+      </p:ext>
+    </p:extLst>
+  </p:cSld>
+  <p:clrMapOvr>
+    <a:masterClrMapping/>
+  </p:clrMapOvr>
+</p:sld>
+</file>
+
+<file path=ppt/slides/slide26.xml><?xml version="1.0" encoding="utf-8"?>
+<p:sld xmlns:a="http://schemas.openxmlformats.org/drawingml/2006/main" xmlns:r="http://schemas.openxmlformats.org/officeDocument/2006/relationships" xmlns:p="http://schemas.openxmlformats.org/presentationml/2006/main">
+  <p:cSld>
+    <p:spTree>
+      <p:nvGrpSpPr>
+        <p:cNvPr id="1" name=""/>
+        <p:cNvGrpSpPr/>
+        <p:nvPr/>
+      </p:nvGrpSpPr>
+      <p:grpSpPr>
+        <a:xfrm>
+          <a:off x="0" y="0"/>
+          <a:ext cx="0" cy="0"/>
+          <a:chOff x="0" y="0"/>
+          <a:chExt cx="0" cy="0"/>
+        </a:xfrm>
+      </p:grpSpPr>
+      <p:sp>
+        <p:nvSpPr>
+          <p:cNvPr id="2" name="Title 1">
+            <a:extLst>
+              <a:ext uri="{FF2B5EF4-FFF2-40B4-BE49-F238E27FC236}">
                 <a16:creationId xmlns:a16="http://schemas.microsoft.com/office/drawing/2014/main" id="{EAE8C303-0BE5-99D4-CAAB-F0DC327AE6A3}"/>
               </a:ext>
             </a:extLst>
@@ -6547,7 +6891,7 @@
 </p:sld>
 </file>
 
-<file path=ppt/slides/slide26.xml><?xml version="1.0" encoding="utf-8"?>
+<file path=ppt/slides/slide27.xml><?xml version="1.0" encoding="utf-8"?>
 <p:sld xmlns:a="http://schemas.openxmlformats.org/drawingml/2006/main" xmlns:r="http://schemas.openxmlformats.org/officeDocument/2006/relationships" xmlns:p="http://schemas.openxmlformats.org/presentationml/2006/main">
   <p:cSld>
     <p:spTree>
@@ -6882,233 +7226,6 @@
 </p:sld>
 </file>
 
-<file path=ppt/slides/slide27.xml><?xml version="1.0" encoding="utf-8"?>
-<p:sld xmlns:a="http://schemas.openxmlformats.org/drawingml/2006/main" xmlns:r="http://schemas.openxmlformats.org/officeDocument/2006/relationships" xmlns:p="http://schemas.openxmlformats.org/presentationml/2006/main">
-  <p:cSld>
-    <p:spTree>
-      <p:nvGrpSpPr>
-        <p:cNvPr id="1" name=""/>
-        <p:cNvGrpSpPr/>
-        <p:nvPr/>
-      </p:nvGrpSpPr>
-      <p:grpSpPr>
-        <a:xfrm>
-          <a:off x="0" y="0"/>
-          <a:ext cx="0" cy="0"/>
-          <a:chOff x="0" y="0"/>
-          <a:chExt cx="0" cy="0"/>
-        </a:xfrm>
-      </p:grpSpPr>
-      <p:sp>
-        <p:nvSpPr>
-          <p:cNvPr id="2" name="Title 1">
-            <a:extLst>
-              <a:ext uri="{FF2B5EF4-FFF2-40B4-BE49-F238E27FC236}">
-                <a16:creationId xmlns:a16="http://schemas.microsoft.com/office/drawing/2014/main" id="{40C14AE9-793D-278F-610A-651071A2D6A2}"/>
-              </a:ext>
-            </a:extLst>
-          </p:cNvPr>
-          <p:cNvSpPr>
-            <a:spLocks noGrp="1"/>
-          </p:cNvSpPr>
-          <p:nvPr>
-            <p:ph type="title"/>
-          </p:nvPr>
-        </p:nvSpPr>
-        <p:spPr/>
-        <p:txBody>
-          <a:bodyPr/>
-          <a:lstStyle/>
-          <a:p>
-            <a:r>
-              <a:rPr lang="en-US" dirty="0"/>
-              <a:t>Open/Closed Principle in Unit Testing</a:t>
-            </a:r>
-            <a:endParaRPr lang="en-BE" dirty="0"/>
-          </a:p>
-        </p:txBody>
-      </p:sp>
-      <p:sp>
-        <p:nvSpPr>
-          <p:cNvPr id="3" name="Content Placeholder 2">
-            <a:extLst>
-              <a:ext uri="{FF2B5EF4-FFF2-40B4-BE49-F238E27FC236}">
-                <a16:creationId xmlns:a16="http://schemas.microsoft.com/office/drawing/2014/main" id="{62EAD59B-2DA5-2969-3635-6131BE9845B4}"/>
-              </a:ext>
-            </a:extLst>
-          </p:cNvPr>
-          <p:cNvSpPr>
-            <a:spLocks noGrp="1"/>
-          </p:cNvSpPr>
-          <p:nvPr>
-            <p:ph idx="1"/>
-          </p:nvPr>
-        </p:nvSpPr>
-        <p:spPr/>
-        <p:txBody>
-          <a:bodyPr/>
-          <a:lstStyle/>
-          <a:p>
-            <a:r>
-              <a:rPr lang="en-US" dirty="0"/>
-              <a:t>Entities that are closed for modification have an upper bound to tests</a:t>
-            </a:r>
-          </a:p>
-          <a:p>
-            <a:r>
-              <a:rPr lang="en-US" dirty="0"/>
-              <a:t>Interfaces make testing easier</a:t>
-            </a:r>
-          </a:p>
-          <a:p>
-            <a:endParaRPr lang="en-BE" dirty="0"/>
-          </a:p>
-        </p:txBody>
-      </p:sp>
-    </p:spTree>
-    <p:extLst>
-      <p:ext uri="{BB962C8B-B14F-4D97-AF65-F5344CB8AC3E}">
-        <p14:creationId xmlns:p14="http://schemas.microsoft.com/office/powerpoint/2010/main" val="3640409854"/>
-      </p:ext>
-    </p:extLst>
-  </p:cSld>
-  <p:clrMapOvr>
-    <a:masterClrMapping/>
-  </p:clrMapOvr>
-  <p:timing>
-    <p:tnLst>
-      <p:par>
-        <p:cTn id="1" dur="indefinite" restart="never" nodeType="tmRoot">
-          <p:childTnLst>
-            <p:seq concurrent="1" nextAc="seek">
-              <p:cTn id="2" dur="indefinite" nodeType="mainSeq">
-                <p:childTnLst>
-                  <p:par>
-                    <p:cTn id="3" fill="hold">
-                      <p:stCondLst>
-                        <p:cond delay="indefinite"/>
-                      </p:stCondLst>
-                      <p:childTnLst>
-                        <p:par>
-                          <p:cTn id="4" fill="hold">
-                            <p:stCondLst>
-                              <p:cond delay="0"/>
-                            </p:stCondLst>
-                            <p:childTnLst>
-                              <p:par>
-                                <p:cTn id="5" presetID="1" presetClass="entr" presetSubtype="0" fill="hold" grpId="0" nodeType="clickEffect">
-                                  <p:stCondLst>
-                                    <p:cond delay="0"/>
-                                  </p:stCondLst>
-                                  <p:childTnLst>
-                                    <p:set>
-                                      <p:cBhvr>
-                                        <p:cTn id="6" dur="1" fill="hold">
-                                          <p:stCondLst>
-                                            <p:cond delay="0"/>
-                                          </p:stCondLst>
-                                        </p:cTn>
-                                        <p:tgtEl>
-                                          <p:spTgt spid="3">
-                                            <p:txEl>
-                                              <p:pRg st="0" end="0"/>
-                                            </p:txEl>
-                                          </p:spTgt>
-                                        </p:tgtEl>
-                                        <p:attrNameLst>
-                                          <p:attrName>style.visibility</p:attrName>
-                                        </p:attrNameLst>
-                                      </p:cBhvr>
-                                      <p:to>
-                                        <p:strVal val="visible"/>
-                                      </p:to>
-                                    </p:set>
-                                  </p:childTnLst>
-                                </p:cTn>
-                              </p:par>
-                            </p:childTnLst>
-                          </p:cTn>
-                        </p:par>
-                      </p:childTnLst>
-                    </p:cTn>
-                  </p:par>
-                  <p:par>
-                    <p:cTn id="7" fill="hold">
-                      <p:stCondLst>
-                        <p:cond delay="indefinite"/>
-                      </p:stCondLst>
-                      <p:childTnLst>
-                        <p:par>
-                          <p:cTn id="8" fill="hold">
-                            <p:stCondLst>
-                              <p:cond delay="0"/>
-                            </p:stCondLst>
-                            <p:childTnLst>
-                              <p:par>
-                                <p:cTn id="9" presetID="1" presetClass="entr" presetSubtype="0" fill="hold" grpId="0" nodeType="clickEffect">
-                                  <p:stCondLst>
-                                    <p:cond delay="0"/>
-                                  </p:stCondLst>
-                                  <p:childTnLst>
-                                    <p:set>
-                                      <p:cBhvr>
-                                        <p:cTn id="10" dur="1" fill="hold">
-                                          <p:stCondLst>
-                                            <p:cond delay="0"/>
-                                          </p:stCondLst>
-                                        </p:cTn>
-                                        <p:tgtEl>
-                                          <p:spTgt spid="3">
-                                            <p:txEl>
-                                              <p:pRg st="1" end="1"/>
-                                            </p:txEl>
-                                          </p:spTgt>
-                                        </p:tgtEl>
-                                        <p:attrNameLst>
-                                          <p:attrName>style.visibility</p:attrName>
-                                        </p:attrNameLst>
-                                      </p:cBhvr>
-                                      <p:to>
-                                        <p:strVal val="visible"/>
-                                      </p:to>
-                                    </p:set>
-                                  </p:childTnLst>
-                                </p:cTn>
-                              </p:par>
-                            </p:childTnLst>
-                          </p:cTn>
-                        </p:par>
-                      </p:childTnLst>
-                    </p:cTn>
-                  </p:par>
-                </p:childTnLst>
-              </p:cTn>
-              <p:prevCondLst>
-                <p:cond evt="onPrev" delay="0">
-                  <p:tgtEl>
-                    <p:sldTgt/>
-                  </p:tgtEl>
-                </p:cond>
-              </p:prevCondLst>
-              <p:nextCondLst>
-                <p:cond evt="onNext" delay="0">
-                  <p:tgtEl>
-                    <p:sldTgt/>
-                  </p:tgtEl>
-                </p:cond>
-              </p:nextCondLst>
-            </p:seq>
-          </p:childTnLst>
-        </p:cTn>
-      </p:par>
-    </p:tnLst>
-    <p:bldLst>
-      <p:bldP spid="3" grpId="0" build="p"/>
-    </p:bldLst>
-  </p:timing>
-</p:sld>
-</file>
-
 <file path=ppt/slides/slide28.xml><?xml version="1.0" encoding="utf-8"?>
 <p:sld xmlns:a="http://schemas.openxmlformats.org/drawingml/2006/main" xmlns:r="http://schemas.openxmlformats.org/officeDocument/2006/relationships" xmlns:p="http://schemas.openxmlformats.org/presentationml/2006/main">
   <p:cSld>
@@ -7131,7 +7248,7 @@
           <p:cNvPr id="2" name="Title 1">
             <a:extLst>
               <a:ext uri="{FF2B5EF4-FFF2-40B4-BE49-F238E27FC236}">
-                <a16:creationId xmlns:a16="http://schemas.microsoft.com/office/drawing/2014/main" id="{16FC8906-7925-E27C-69E0-354DE82E3502}"/>
+                <a16:creationId xmlns:a16="http://schemas.microsoft.com/office/drawing/2014/main" id="{40C14AE9-793D-278F-610A-651071A2D6A2}"/>
               </a:ext>
             </a:extLst>
           </p:cNvPr>
@@ -7148,12 +7265,8 @@
           <a:lstStyle/>
           <a:p>
             <a:r>
-              <a:rPr lang="en-US" dirty="0" err="1"/>
-              <a:t>Liskov</a:t>
-            </a:r>
-            <a:r>
-              <a:rPr lang="en-US" dirty="0"/>
-              <a:t> Substitution in Unit Testing</a:t>
+              <a:rPr lang="en-US" dirty="0"/>
+              <a:t>Open/Closed Principle in Unit Testing</a:t>
             </a:r>
             <a:endParaRPr lang="en-BE" dirty="0"/>
           </a:p>
@@ -7164,7 +7277,7 @@
           <p:cNvPr id="3" name="Content Placeholder 2">
             <a:extLst>
               <a:ext uri="{FF2B5EF4-FFF2-40B4-BE49-F238E27FC236}">
-                <a16:creationId xmlns:a16="http://schemas.microsoft.com/office/drawing/2014/main" id="{6D0CB379-FDA9-8CA1-7BFC-59FFAD76CABF}"/>
+                <a16:creationId xmlns:a16="http://schemas.microsoft.com/office/drawing/2014/main" id="{62EAD59B-2DA5-2969-3635-6131BE9845B4}"/>
               </a:ext>
             </a:extLst>
           </p:cNvPr>
@@ -7182,14 +7295,16 @@
           <a:p>
             <a:r>
               <a:rPr lang="en-US" dirty="0"/>
-              <a:t>All existing tests should work for derived classes</a:t>
-            </a:r>
-          </a:p>
-          <a:p>
-            <a:r>
-              <a:rPr lang="en-US" dirty="0"/>
-              <a:t>Copy the suckers, make sure you didn’t mess up (bonus code coverage)</a:t>
-            </a:r>
+              <a:t>Entities that are closed for modification have an upper bound to tests</a:t>
+            </a:r>
+          </a:p>
+          <a:p>
+            <a:r>
+              <a:rPr lang="en-US" dirty="0"/>
+              <a:t>Interfaces make testing easier</a:t>
+            </a:r>
+          </a:p>
+          <a:p>
             <a:endParaRPr lang="en-BE" dirty="0"/>
           </a:p>
         </p:txBody>
@@ -7197,7 +7312,7 @@
     </p:spTree>
     <p:extLst>
       <p:ext uri="{BB962C8B-B14F-4D97-AF65-F5344CB8AC3E}">
-        <p14:creationId xmlns:p14="http://schemas.microsoft.com/office/powerpoint/2010/main" val="1161997572"/>
+        <p14:creationId xmlns:p14="http://schemas.microsoft.com/office/powerpoint/2010/main" val="3640409854"/>
       </p:ext>
     </p:extLst>
   </p:cSld>
@@ -7360,7 +7475,7 @@
           <p:cNvPr id="2" name="Title 1">
             <a:extLst>
               <a:ext uri="{FF2B5EF4-FFF2-40B4-BE49-F238E27FC236}">
-                <a16:creationId xmlns:a16="http://schemas.microsoft.com/office/drawing/2014/main" id="{E902E98A-0C67-5EFA-B23F-B20C9C4E3500}"/>
+                <a16:creationId xmlns:a16="http://schemas.microsoft.com/office/drawing/2014/main" id="{16FC8906-7925-E27C-69E0-354DE82E3502}"/>
               </a:ext>
             </a:extLst>
           </p:cNvPr>
@@ -7377,8 +7492,12 @@
           <a:lstStyle/>
           <a:p>
             <a:r>
-              <a:rPr lang="en-US" dirty="0"/>
-              <a:t>Interface Segregation in Unit Testing</a:t>
+              <a:rPr lang="en-US" dirty="0" err="1"/>
+              <a:t>Liskov</a:t>
+            </a:r>
+            <a:r>
+              <a:rPr lang="en-US" dirty="0"/>
+              <a:t> Substitution in Unit Testing</a:t>
             </a:r>
             <a:endParaRPr lang="en-BE" dirty="0"/>
           </a:p>
@@ -7389,7 +7508,7 @@
           <p:cNvPr id="3" name="Content Placeholder 2">
             <a:extLst>
               <a:ext uri="{FF2B5EF4-FFF2-40B4-BE49-F238E27FC236}">
-                <a16:creationId xmlns:a16="http://schemas.microsoft.com/office/drawing/2014/main" id="{14E54B3D-DE80-7A73-E4B1-68AF43986399}"/>
+                <a16:creationId xmlns:a16="http://schemas.microsoft.com/office/drawing/2014/main" id="{6D0CB379-FDA9-8CA1-7BFC-59FFAD76CABF}"/>
               </a:ext>
             </a:extLst>
           </p:cNvPr>
@@ -7407,13 +7526,13 @@
           <a:p>
             <a:r>
               <a:rPr lang="en-US" dirty="0"/>
-              <a:t>Splitting interfaces into smaller chunks makes them easier to test</a:t>
-            </a:r>
-          </a:p>
-          <a:p>
-            <a:r>
-              <a:rPr lang="en-US" dirty="0"/>
-              <a:t>See: Everything good I said about Single Responsibility</a:t>
+              <a:t>All existing tests should work for derived classes</a:t>
+            </a:r>
+          </a:p>
+          <a:p>
+            <a:r>
+              <a:rPr lang="en-US" dirty="0"/>
+              <a:t>Copy the suckers, make sure you didn’t mess up (bonus code coverage)</a:t>
             </a:r>
             <a:endParaRPr lang="en-BE" dirty="0"/>
           </a:p>
@@ -7422,7 +7541,7 @@
     </p:spTree>
     <p:extLst>
       <p:ext uri="{BB962C8B-B14F-4D97-AF65-F5344CB8AC3E}">
-        <p14:creationId xmlns:p14="http://schemas.microsoft.com/office/powerpoint/2010/main" val="2980414077"/>
+        <p14:creationId xmlns:p14="http://schemas.microsoft.com/office/powerpoint/2010/main" val="1161997572"/>
       </p:ext>
     </p:extLst>
   </p:cSld>
@@ -7585,7 +7704,7 @@
           <p:cNvPr id="2" name="Title 1">
             <a:extLst>
               <a:ext uri="{FF2B5EF4-FFF2-40B4-BE49-F238E27FC236}">
-                <a16:creationId xmlns:a16="http://schemas.microsoft.com/office/drawing/2014/main" id="{FD08B5BB-E13E-9B9A-6B61-D2E76495AE74}"/>
+                <a16:creationId xmlns:a16="http://schemas.microsoft.com/office/drawing/2014/main" id="{8B936138-0787-0AFE-86B0-EF416C661335}"/>
               </a:ext>
             </a:extLst>
           </p:cNvPr>
@@ -7603,9 +7722,8 @@
           <a:p>
             <a:r>
               <a:rPr lang="en-US" dirty="0"/>
-              <a:t>So what’s a unit test?</a:t>
-            </a:r>
-            <a:endParaRPr lang="en-BE" dirty="0"/>
+              <a:t>Files	</a:t>
+            </a:r>
           </a:p>
         </p:txBody>
       </p:sp>
@@ -7614,7 +7732,7 @@
           <p:cNvPr id="3" name="Content Placeholder 2">
             <a:extLst>
               <a:ext uri="{FF2B5EF4-FFF2-40B4-BE49-F238E27FC236}">
-                <a16:creationId xmlns:a16="http://schemas.microsoft.com/office/drawing/2014/main" id="{6D843D6C-A9B1-90F6-DFF0-CD694FCFB48B}"/>
+                <a16:creationId xmlns:a16="http://schemas.microsoft.com/office/drawing/2014/main" id="{18B8E4EC-AF2A-4C4C-8708-45D79D219EAD}"/>
               </a:ext>
             </a:extLst>
           </p:cNvPr>
@@ -7632,40 +7750,109 @@
           <a:p>
             <a:r>
               <a:rPr lang="en-US" dirty="0"/>
-              <a:t>Fast</a:t>
-            </a:r>
-          </a:p>
-          <a:p>
-            <a:r>
-              <a:rPr lang="en-US" dirty="0"/>
-              <a:t>In-Memory</a:t>
-            </a:r>
-          </a:p>
-          <a:p>
-            <a:r>
-              <a:rPr lang="en-US" dirty="0"/>
-              <a:t>Idempotent</a:t>
-            </a:r>
-          </a:p>
-          <a:p>
-            <a:r>
-              <a:rPr lang="en-US" dirty="0"/>
-              <a:t>Automatic</a:t>
-            </a:r>
-          </a:p>
-          <a:p>
-            <a:r>
-              <a:rPr lang="en-US" dirty="0"/>
-              <a:t>Repeatable</a:t>
-            </a:r>
-            <a:endParaRPr lang="en-BE" dirty="0"/>
+              <a:t>https://github.com/Valthek/UnitTesting</a:t>
+            </a:r>
           </a:p>
         </p:txBody>
       </p:sp>
     </p:spTree>
     <p:extLst>
       <p:ext uri="{BB962C8B-B14F-4D97-AF65-F5344CB8AC3E}">
-        <p14:creationId xmlns:p14="http://schemas.microsoft.com/office/powerpoint/2010/main" val="3531813041"/>
+        <p14:creationId xmlns:p14="http://schemas.microsoft.com/office/powerpoint/2010/main" val="438421347"/>
+      </p:ext>
+    </p:extLst>
+  </p:cSld>
+  <p:clrMapOvr>
+    <a:masterClrMapping/>
+  </p:clrMapOvr>
+</p:sld>
+</file>
+
+<file path=ppt/slides/slide30.xml><?xml version="1.0" encoding="utf-8"?>
+<p:sld xmlns:a="http://schemas.openxmlformats.org/drawingml/2006/main" xmlns:r="http://schemas.openxmlformats.org/officeDocument/2006/relationships" xmlns:p="http://schemas.openxmlformats.org/presentationml/2006/main">
+  <p:cSld>
+    <p:spTree>
+      <p:nvGrpSpPr>
+        <p:cNvPr id="1" name=""/>
+        <p:cNvGrpSpPr/>
+        <p:nvPr/>
+      </p:nvGrpSpPr>
+      <p:grpSpPr>
+        <a:xfrm>
+          <a:off x="0" y="0"/>
+          <a:ext cx="0" cy="0"/>
+          <a:chOff x="0" y="0"/>
+          <a:chExt cx="0" cy="0"/>
+        </a:xfrm>
+      </p:grpSpPr>
+      <p:sp>
+        <p:nvSpPr>
+          <p:cNvPr id="2" name="Title 1">
+            <a:extLst>
+              <a:ext uri="{FF2B5EF4-FFF2-40B4-BE49-F238E27FC236}">
+                <a16:creationId xmlns:a16="http://schemas.microsoft.com/office/drawing/2014/main" id="{E902E98A-0C67-5EFA-B23F-B20C9C4E3500}"/>
+              </a:ext>
+            </a:extLst>
+          </p:cNvPr>
+          <p:cNvSpPr>
+            <a:spLocks noGrp="1"/>
+          </p:cNvSpPr>
+          <p:nvPr>
+            <p:ph type="title"/>
+          </p:nvPr>
+        </p:nvSpPr>
+        <p:spPr/>
+        <p:txBody>
+          <a:bodyPr/>
+          <a:lstStyle/>
+          <a:p>
+            <a:r>
+              <a:rPr lang="en-US" dirty="0"/>
+              <a:t>Interface Segregation in Unit Testing</a:t>
+            </a:r>
+            <a:endParaRPr lang="en-BE" dirty="0"/>
+          </a:p>
+        </p:txBody>
+      </p:sp>
+      <p:sp>
+        <p:nvSpPr>
+          <p:cNvPr id="3" name="Content Placeholder 2">
+            <a:extLst>
+              <a:ext uri="{FF2B5EF4-FFF2-40B4-BE49-F238E27FC236}">
+                <a16:creationId xmlns:a16="http://schemas.microsoft.com/office/drawing/2014/main" id="{14E54B3D-DE80-7A73-E4B1-68AF43986399}"/>
+              </a:ext>
+            </a:extLst>
+          </p:cNvPr>
+          <p:cNvSpPr>
+            <a:spLocks noGrp="1"/>
+          </p:cNvSpPr>
+          <p:nvPr>
+            <p:ph idx="1"/>
+          </p:nvPr>
+        </p:nvSpPr>
+        <p:spPr/>
+        <p:txBody>
+          <a:bodyPr/>
+          <a:lstStyle/>
+          <a:p>
+            <a:r>
+              <a:rPr lang="en-US" dirty="0"/>
+              <a:t>Splitting interfaces into smaller chunks makes them easier to test</a:t>
+            </a:r>
+          </a:p>
+          <a:p>
+            <a:r>
+              <a:rPr lang="en-US" dirty="0"/>
+              <a:t>See: Everything good I said about Single Responsibility</a:t>
+            </a:r>
+            <a:endParaRPr lang="en-BE" dirty="0"/>
+          </a:p>
+        </p:txBody>
+      </p:sp>
+    </p:spTree>
+    <p:extLst>
+      <p:ext uri="{BB962C8B-B14F-4D97-AF65-F5344CB8AC3E}">
+        <p14:creationId xmlns:p14="http://schemas.microsoft.com/office/powerpoint/2010/main" val="2980414077"/>
       </p:ext>
     </p:extLst>
   </p:cSld>
@@ -7778,153 +7965,6 @@
                       </p:childTnLst>
                     </p:cTn>
                   </p:par>
-                  <p:par>
-                    <p:cTn id="11" fill="hold">
-                      <p:stCondLst>
-                        <p:cond delay="indefinite"/>
-                      </p:stCondLst>
-                      <p:childTnLst>
-                        <p:par>
-                          <p:cTn id="12" fill="hold">
-                            <p:stCondLst>
-                              <p:cond delay="0"/>
-                            </p:stCondLst>
-                            <p:childTnLst>
-                              <p:par>
-                                <p:cTn id="13" presetID="1" presetClass="entr" presetSubtype="0" fill="hold" grpId="0" nodeType="clickEffect">
-                                  <p:stCondLst>
-                                    <p:cond delay="0"/>
-                                  </p:stCondLst>
-                                  <p:childTnLst>
-                                    <p:set>
-                                      <p:cBhvr>
-                                        <p:cTn id="14" dur="1" fill="hold">
-                                          <p:stCondLst>
-                                            <p:cond delay="0"/>
-                                          </p:stCondLst>
-                                        </p:cTn>
-                                        <p:tgtEl>
-                                          <p:spTgt spid="3">
-                                            <p:txEl>
-                                              <p:pRg st="2" end="2"/>
-                                            </p:txEl>
-                                          </p:spTgt>
-                                        </p:tgtEl>
-                                        <p:attrNameLst>
-                                          <p:attrName>style.visibility</p:attrName>
-                                        </p:attrNameLst>
-                                      </p:cBhvr>
-                                      <p:to>
-                                        <p:strVal val="visible"/>
-                                      </p:to>
-                                    </p:set>
-                                  </p:childTnLst>
-                                </p:cTn>
-                              </p:par>
-                            </p:childTnLst>
-                          </p:cTn>
-                        </p:par>
-                      </p:childTnLst>
-                    </p:cTn>
-                  </p:par>
-                  <p:par>
-                    <p:cTn id="15" fill="hold">
-                      <p:stCondLst>
-                        <p:cond delay="indefinite"/>
-                      </p:stCondLst>
-                      <p:childTnLst>
-                        <p:par>
-                          <p:cTn id="16" fill="hold">
-                            <p:stCondLst>
-                              <p:cond delay="0"/>
-                            </p:stCondLst>
-                            <p:childTnLst>
-                              <p:par>
-                                <p:cTn id="17" presetID="1" presetClass="entr" presetSubtype="0" fill="hold" grpId="0" nodeType="clickEffect">
-                                  <p:stCondLst>
-                                    <p:cond delay="0"/>
-                                  </p:stCondLst>
-                                  <p:childTnLst>
-                                    <p:set>
-                                      <p:cBhvr>
-                                        <p:cTn id="18" dur="1" fill="hold">
-                                          <p:stCondLst>
-                                            <p:cond delay="0"/>
-                                          </p:stCondLst>
-                                        </p:cTn>
-                                        <p:tgtEl>
-                                          <p:spTgt spid="3">
-                                            <p:txEl>
-                                              <p:pRg st="3" end="3"/>
-                                            </p:txEl>
-                                          </p:spTgt>
-                                        </p:tgtEl>
-                                        <p:attrNameLst>
-                                          <p:attrName>style.visibility</p:attrName>
-                                        </p:attrNameLst>
-                                      </p:cBhvr>
-                                      <p:to>
-                                        <p:strVal val="visible"/>
-                                      </p:to>
-                                    </p:set>
-                                  </p:childTnLst>
-                                </p:cTn>
-                              </p:par>
-                            </p:childTnLst>
-                          </p:cTn>
-                        </p:par>
-                      </p:childTnLst>
-                    </p:cTn>
-                  </p:par>
-                  <p:par>
-                    <p:cTn id="19" fill="hold">
-                      <p:stCondLst>
-                        <p:cond delay="indefinite"/>
-                      </p:stCondLst>
-                      <p:childTnLst>
-                        <p:par>
-                          <p:cTn id="20" fill="hold">
-                            <p:stCondLst>
-                              <p:cond delay="0"/>
-                            </p:stCondLst>
-                            <p:childTnLst>
-                              <p:par>
-                                <p:cTn id="21" presetID="1" presetClass="entr" presetSubtype="0" fill="hold" grpId="0" nodeType="clickEffect">
-                                  <p:stCondLst>
-                                    <p:cond delay="0"/>
-                                  </p:stCondLst>
-                                  <p:childTnLst>
-                                    <p:set>
-                                      <p:cBhvr>
-                                        <p:cTn id="22" dur="1" fill="hold">
-                                          <p:stCondLst>
-                                            <p:cond delay="0"/>
-                                          </p:stCondLst>
-                                        </p:cTn>
-                                        <p:tgtEl>
-                                          <p:spTgt spid="3">
-                                            <p:txEl>
-                                              <p:pRg st="4" end="4"/>
-                                            </p:txEl>
-                                          </p:spTgt>
-                                        </p:tgtEl>
-                                        <p:attrNameLst>
-                                          <p:attrName>style.visibility</p:attrName>
-                                        </p:attrNameLst>
-                                      </p:cBhvr>
-                                      <p:to>
-                                        <p:strVal val="visible"/>
-                                      </p:to>
-                                    </p:set>
-                                  </p:childTnLst>
-                                </p:cTn>
-                              </p:par>
-                            </p:childTnLst>
-                          </p:cTn>
-                        </p:par>
-                      </p:childTnLst>
-                    </p:cTn>
-                  </p:par>
                 </p:childTnLst>
               </p:cTn>
               <p:prevCondLst>
@@ -7953,7 +7993,7 @@
 </p:sld>
 </file>
 
-<file path=ppt/slides/slide30.xml><?xml version="1.0" encoding="utf-8"?>
+<file path=ppt/slides/slide31.xml><?xml version="1.0" encoding="utf-8"?>
 <p:sld xmlns:a="http://schemas.openxmlformats.org/drawingml/2006/main" xmlns:r="http://schemas.openxmlformats.org/officeDocument/2006/relationships" xmlns:p="http://schemas.openxmlformats.org/presentationml/2006/main">
   <p:cSld>
     <p:spTree>
@@ -8240,7 +8280,7 @@
 </p:sld>
 </file>
 
-<file path=ppt/slides/slide31.xml><?xml version="1.0" encoding="utf-8"?>
+<file path=ppt/slides/slide32.xml><?xml version="1.0" encoding="utf-8"?>
 <p:sld xmlns:a="http://schemas.openxmlformats.org/drawingml/2006/main" xmlns:r="http://schemas.openxmlformats.org/officeDocument/2006/relationships" xmlns:p="http://schemas.openxmlformats.org/presentationml/2006/main">
   <p:cSld>
     <p:spTree>
@@ -8522,94 +8562,6 @@
 </p:sld>
 </file>
 
-<file path=ppt/slides/slide32.xml><?xml version="1.0" encoding="utf-8"?>
-<p:sld xmlns:a="http://schemas.openxmlformats.org/drawingml/2006/main" xmlns:r="http://schemas.openxmlformats.org/officeDocument/2006/relationships" xmlns:p="http://schemas.openxmlformats.org/presentationml/2006/main">
-  <p:cSld>
-    <p:spTree>
-      <p:nvGrpSpPr>
-        <p:cNvPr id="1" name=""/>
-        <p:cNvGrpSpPr/>
-        <p:nvPr/>
-      </p:nvGrpSpPr>
-      <p:grpSpPr>
-        <a:xfrm>
-          <a:off x="0" y="0"/>
-          <a:ext cx="0" cy="0"/>
-          <a:chOff x="0" y="0"/>
-          <a:chExt cx="0" cy="0"/>
-        </a:xfrm>
-      </p:grpSpPr>
-      <p:sp>
-        <p:nvSpPr>
-          <p:cNvPr id="2" name="Title 1">
-            <a:extLst>
-              <a:ext uri="{FF2B5EF4-FFF2-40B4-BE49-F238E27FC236}">
-                <a16:creationId xmlns:a16="http://schemas.microsoft.com/office/drawing/2014/main" id="{64AE12E1-725B-55DC-FDFC-3F59F7004F24}"/>
-              </a:ext>
-            </a:extLst>
-          </p:cNvPr>
-          <p:cNvSpPr>
-            <a:spLocks noGrp="1"/>
-          </p:cNvSpPr>
-          <p:nvPr>
-            <p:ph type="title"/>
-          </p:nvPr>
-        </p:nvSpPr>
-        <p:spPr/>
-        <p:txBody>
-          <a:bodyPr/>
-          <a:lstStyle/>
-          <a:p>
-            <a:r>
-              <a:rPr lang="en-US" dirty="0"/>
-              <a:t>Faking it: A simple guide</a:t>
-            </a:r>
-            <a:endParaRPr lang="en-BE" dirty="0"/>
-          </a:p>
-        </p:txBody>
-      </p:sp>
-      <p:sp>
-        <p:nvSpPr>
-          <p:cNvPr id="3" name="Content Placeholder 2">
-            <a:extLst>
-              <a:ext uri="{FF2B5EF4-FFF2-40B4-BE49-F238E27FC236}">
-                <a16:creationId xmlns:a16="http://schemas.microsoft.com/office/drawing/2014/main" id="{A21C023D-9BAA-980B-167A-ABFE26D24232}"/>
-              </a:ext>
-            </a:extLst>
-          </p:cNvPr>
-          <p:cNvSpPr>
-            <a:spLocks noGrp="1"/>
-          </p:cNvSpPr>
-          <p:nvPr>
-            <p:ph idx="1"/>
-          </p:nvPr>
-        </p:nvSpPr>
-        <p:spPr/>
-        <p:txBody>
-          <a:bodyPr/>
-          <a:lstStyle/>
-          <a:p>
-            <a:r>
-              <a:rPr lang="en-US" dirty="0"/>
-              <a:t>Lots of ways to fake things during testing</a:t>
-            </a:r>
-            <a:endParaRPr lang="en-BE" dirty="0"/>
-          </a:p>
-        </p:txBody>
-      </p:sp>
-    </p:spTree>
-    <p:extLst>
-      <p:ext uri="{BB962C8B-B14F-4D97-AF65-F5344CB8AC3E}">
-        <p14:creationId xmlns:p14="http://schemas.microsoft.com/office/powerpoint/2010/main" val="1402844564"/>
-      </p:ext>
-    </p:extLst>
-  </p:cSld>
-  <p:clrMapOvr>
-    <a:masterClrMapping/>
-  </p:clrMapOvr>
-</p:sld>
-</file>
-
 <file path=ppt/slides/slide33.xml><?xml version="1.0" encoding="utf-8"?>
 <p:sld xmlns:a="http://schemas.openxmlformats.org/drawingml/2006/main" xmlns:r="http://schemas.openxmlformats.org/officeDocument/2006/relationships" xmlns:p="http://schemas.openxmlformats.org/presentationml/2006/main">
   <p:cSld>
@@ -8632,6 +8584,94 @@
           <p:cNvPr id="2" name="Title 1">
             <a:extLst>
               <a:ext uri="{FF2B5EF4-FFF2-40B4-BE49-F238E27FC236}">
+                <a16:creationId xmlns:a16="http://schemas.microsoft.com/office/drawing/2014/main" id="{64AE12E1-725B-55DC-FDFC-3F59F7004F24}"/>
+              </a:ext>
+            </a:extLst>
+          </p:cNvPr>
+          <p:cNvSpPr>
+            <a:spLocks noGrp="1"/>
+          </p:cNvSpPr>
+          <p:nvPr>
+            <p:ph type="title"/>
+          </p:nvPr>
+        </p:nvSpPr>
+        <p:spPr/>
+        <p:txBody>
+          <a:bodyPr/>
+          <a:lstStyle/>
+          <a:p>
+            <a:r>
+              <a:rPr lang="en-US" dirty="0"/>
+              <a:t>Faking it: A simple guide</a:t>
+            </a:r>
+            <a:endParaRPr lang="en-BE" dirty="0"/>
+          </a:p>
+        </p:txBody>
+      </p:sp>
+      <p:sp>
+        <p:nvSpPr>
+          <p:cNvPr id="3" name="Content Placeholder 2">
+            <a:extLst>
+              <a:ext uri="{FF2B5EF4-FFF2-40B4-BE49-F238E27FC236}">
+                <a16:creationId xmlns:a16="http://schemas.microsoft.com/office/drawing/2014/main" id="{A21C023D-9BAA-980B-167A-ABFE26D24232}"/>
+              </a:ext>
+            </a:extLst>
+          </p:cNvPr>
+          <p:cNvSpPr>
+            <a:spLocks noGrp="1"/>
+          </p:cNvSpPr>
+          <p:nvPr>
+            <p:ph idx="1"/>
+          </p:nvPr>
+        </p:nvSpPr>
+        <p:spPr/>
+        <p:txBody>
+          <a:bodyPr/>
+          <a:lstStyle/>
+          <a:p>
+            <a:r>
+              <a:rPr lang="en-US" dirty="0"/>
+              <a:t>Lots of ways to fake things during testing</a:t>
+            </a:r>
+            <a:endParaRPr lang="en-BE" dirty="0"/>
+          </a:p>
+        </p:txBody>
+      </p:sp>
+    </p:spTree>
+    <p:extLst>
+      <p:ext uri="{BB962C8B-B14F-4D97-AF65-F5344CB8AC3E}">
+        <p14:creationId xmlns:p14="http://schemas.microsoft.com/office/powerpoint/2010/main" val="1402844564"/>
+      </p:ext>
+    </p:extLst>
+  </p:cSld>
+  <p:clrMapOvr>
+    <a:masterClrMapping/>
+  </p:clrMapOvr>
+</p:sld>
+</file>
+
+<file path=ppt/slides/slide34.xml><?xml version="1.0" encoding="utf-8"?>
+<p:sld xmlns:a="http://schemas.openxmlformats.org/drawingml/2006/main" xmlns:r="http://schemas.openxmlformats.org/officeDocument/2006/relationships" xmlns:p="http://schemas.openxmlformats.org/presentationml/2006/main">
+  <p:cSld>
+    <p:spTree>
+      <p:nvGrpSpPr>
+        <p:cNvPr id="1" name=""/>
+        <p:cNvGrpSpPr/>
+        <p:nvPr/>
+      </p:nvGrpSpPr>
+      <p:grpSpPr>
+        <a:xfrm>
+          <a:off x="0" y="0"/>
+          <a:ext cx="0" cy="0"/>
+          <a:chOff x="0" y="0"/>
+          <a:chExt cx="0" cy="0"/>
+        </a:xfrm>
+      </p:grpSpPr>
+      <p:sp>
+        <p:nvSpPr>
+          <p:cNvPr id="2" name="Title 1">
+            <a:extLst>
+              <a:ext uri="{FF2B5EF4-FFF2-40B4-BE49-F238E27FC236}">
                 <a16:creationId xmlns:a16="http://schemas.microsoft.com/office/drawing/2014/main" id="{B174D143-39C5-C11C-D6C3-41D5777ACA59}"/>
               </a:ext>
             </a:extLst>
@@ -8710,7 +8750,7 @@
 </p:sld>
 </file>
 
-<file path=ppt/slides/slide34.xml><?xml version="1.0" encoding="utf-8"?>
+<file path=ppt/slides/slide35.xml><?xml version="1.0" encoding="utf-8"?>
 <p:sld xmlns:a="http://schemas.openxmlformats.org/drawingml/2006/main" xmlns:r="http://schemas.openxmlformats.org/officeDocument/2006/relationships" xmlns:p="http://schemas.openxmlformats.org/presentationml/2006/main">
   <p:cSld>
     <p:spTree>
@@ -8990,7 +9030,7 @@
 </p:sld>
 </file>
 
-<file path=ppt/slides/slide35.xml><?xml version="1.0" encoding="utf-8"?>
+<file path=ppt/slides/slide36.xml><?xml version="1.0" encoding="utf-8"?>
 <p:sld xmlns:a="http://schemas.openxmlformats.org/drawingml/2006/main" xmlns:r="http://schemas.openxmlformats.org/officeDocument/2006/relationships" xmlns:p="http://schemas.openxmlformats.org/presentationml/2006/main">
   <p:cSld>
     <p:spTree>
@@ -9405,7 +9445,7 @@
 </p:sld>
 </file>
 
-<file path=ppt/slides/slide36.xml><?xml version="1.0" encoding="utf-8"?>
+<file path=ppt/slides/slide37.xml><?xml version="1.0" encoding="utf-8"?>
 <p:sld xmlns:a="http://schemas.openxmlformats.org/drawingml/2006/main" xmlns:r="http://schemas.openxmlformats.org/officeDocument/2006/relationships" xmlns:p="http://schemas.openxmlformats.org/presentationml/2006/main">
   <p:cSld>
     <p:spTree>
@@ -9523,7 +9563,7 @@
 </p:sld>
 </file>
 
-<file path=ppt/slides/slide37.xml><?xml version="1.0" encoding="utf-8"?>
+<file path=ppt/slides/slide38.xml><?xml version="1.0" encoding="utf-8"?>
 <p:sld xmlns:a="http://schemas.openxmlformats.org/drawingml/2006/main" xmlns:r="http://schemas.openxmlformats.org/officeDocument/2006/relationships" xmlns:p="http://schemas.openxmlformats.org/presentationml/2006/main">
   <p:cSld>
     <p:spTree>
@@ -9935,7 +9975,7 @@
 </p:sld>
 </file>
 
-<file path=ppt/slides/slide38.xml><?xml version="1.0" encoding="utf-8"?>
+<file path=ppt/slides/slide39.xml><?xml version="1.0" encoding="utf-8"?>
 <p:sld xmlns:a="http://schemas.openxmlformats.org/drawingml/2006/main" xmlns:r="http://schemas.openxmlformats.org/officeDocument/2006/relationships" xmlns:p="http://schemas.openxmlformats.org/presentationml/2006/main">
   <p:cSld>
     <p:spTree>
@@ -10057,7 +10097,397 @@
 </p:sld>
 </file>
 
-<file path=ppt/slides/slide39.xml><?xml version="1.0" encoding="utf-8"?>
+<file path=ppt/slides/slide4.xml><?xml version="1.0" encoding="utf-8"?>
+<p:sld xmlns:a="http://schemas.openxmlformats.org/drawingml/2006/main" xmlns:r="http://schemas.openxmlformats.org/officeDocument/2006/relationships" xmlns:p="http://schemas.openxmlformats.org/presentationml/2006/main">
+  <p:cSld>
+    <p:spTree>
+      <p:nvGrpSpPr>
+        <p:cNvPr id="1" name=""/>
+        <p:cNvGrpSpPr/>
+        <p:nvPr/>
+      </p:nvGrpSpPr>
+      <p:grpSpPr>
+        <a:xfrm>
+          <a:off x="0" y="0"/>
+          <a:ext cx="0" cy="0"/>
+          <a:chOff x="0" y="0"/>
+          <a:chExt cx="0" cy="0"/>
+        </a:xfrm>
+      </p:grpSpPr>
+      <p:sp>
+        <p:nvSpPr>
+          <p:cNvPr id="2" name="Title 1">
+            <a:extLst>
+              <a:ext uri="{FF2B5EF4-FFF2-40B4-BE49-F238E27FC236}">
+                <a16:creationId xmlns:a16="http://schemas.microsoft.com/office/drawing/2014/main" id="{FD08B5BB-E13E-9B9A-6B61-D2E76495AE74}"/>
+              </a:ext>
+            </a:extLst>
+          </p:cNvPr>
+          <p:cNvSpPr>
+            <a:spLocks noGrp="1"/>
+          </p:cNvSpPr>
+          <p:nvPr>
+            <p:ph type="title"/>
+          </p:nvPr>
+        </p:nvSpPr>
+        <p:spPr/>
+        <p:txBody>
+          <a:bodyPr/>
+          <a:lstStyle/>
+          <a:p>
+            <a:r>
+              <a:rPr lang="en-US" dirty="0"/>
+              <a:t>So what’s a unit test?</a:t>
+            </a:r>
+            <a:endParaRPr lang="en-BE" dirty="0"/>
+          </a:p>
+        </p:txBody>
+      </p:sp>
+      <p:sp>
+        <p:nvSpPr>
+          <p:cNvPr id="3" name="Content Placeholder 2">
+            <a:extLst>
+              <a:ext uri="{FF2B5EF4-FFF2-40B4-BE49-F238E27FC236}">
+                <a16:creationId xmlns:a16="http://schemas.microsoft.com/office/drawing/2014/main" id="{6D843D6C-A9B1-90F6-DFF0-CD694FCFB48B}"/>
+              </a:ext>
+            </a:extLst>
+          </p:cNvPr>
+          <p:cNvSpPr>
+            <a:spLocks noGrp="1"/>
+          </p:cNvSpPr>
+          <p:nvPr>
+            <p:ph idx="1"/>
+          </p:nvPr>
+        </p:nvSpPr>
+        <p:spPr/>
+        <p:txBody>
+          <a:bodyPr/>
+          <a:lstStyle/>
+          <a:p>
+            <a:r>
+              <a:rPr lang="en-US" dirty="0"/>
+              <a:t>Fast</a:t>
+            </a:r>
+          </a:p>
+          <a:p>
+            <a:r>
+              <a:rPr lang="en-US" dirty="0"/>
+              <a:t>In-Memory</a:t>
+            </a:r>
+          </a:p>
+          <a:p>
+            <a:r>
+              <a:rPr lang="en-US" dirty="0"/>
+              <a:t>Idempotent</a:t>
+            </a:r>
+          </a:p>
+          <a:p>
+            <a:r>
+              <a:rPr lang="en-US" dirty="0"/>
+              <a:t>Automatic</a:t>
+            </a:r>
+          </a:p>
+          <a:p>
+            <a:r>
+              <a:rPr lang="en-US" dirty="0"/>
+              <a:t>Repeatable</a:t>
+            </a:r>
+            <a:endParaRPr lang="en-BE" dirty="0"/>
+          </a:p>
+        </p:txBody>
+      </p:sp>
+    </p:spTree>
+    <p:extLst>
+      <p:ext uri="{BB962C8B-B14F-4D97-AF65-F5344CB8AC3E}">
+        <p14:creationId xmlns:p14="http://schemas.microsoft.com/office/powerpoint/2010/main" val="3531813041"/>
+      </p:ext>
+    </p:extLst>
+  </p:cSld>
+  <p:clrMapOvr>
+    <a:masterClrMapping/>
+  </p:clrMapOvr>
+  <p:timing>
+    <p:tnLst>
+      <p:par>
+        <p:cTn id="1" dur="indefinite" restart="never" nodeType="tmRoot">
+          <p:childTnLst>
+            <p:seq concurrent="1" nextAc="seek">
+              <p:cTn id="2" dur="indefinite" nodeType="mainSeq">
+                <p:childTnLst>
+                  <p:par>
+                    <p:cTn id="3" fill="hold">
+                      <p:stCondLst>
+                        <p:cond delay="indefinite"/>
+                      </p:stCondLst>
+                      <p:childTnLst>
+                        <p:par>
+                          <p:cTn id="4" fill="hold">
+                            <p:stCondLst>
+                              <p:cond delay="0"/>
+                            </p:stCondLst>
+                            <p:childTnLst>
+                              <p:par>
+                                <p:cTn id="5" presetID="1" presetClass="entr" presetSubtype="0" fill="hold" grpId="0" nodeType="clickEffect">
+                                  <p:stCondLst>
+                                    <p:cond delay="0"/>
+                                  </p:stCondLst>
+                                  <p:childTnLst>
+                                    <p:set>
+                                      <p:cBhvr>
+                                        <p:cTn id="6" dur="1" fill="hold">
+                                          <p:stCondLst>
+                                            <p:cond delay="0"/>
+                                          </p:stCondLst>
+                                        </p:cTn>
+                                        <p:tgtEl>
+                                          <p:spTgt spid="3">
+                                            <p:txEl>
+                                              <p:pRg st="0" end="0"/>
+                                            </p:txEl>
+                                          </p:spTgt>
+                                        </p:tgtEl>
+                                        <p:attrNameLst>
+                                          <p:attrName>style.visibility</p:attrName>
+                                        </p:attrNameLst>
+                                      </p:cBhvr>
+                                      <p:to>
+                                        <p:strVal val="visible"/>
+                                      </p:to>
+                                    </p:set>
+                                  </p:childTnLst>
+                                </p:cTn>
+                              </p:par>
+                            </p:childTnLst>
+                          </p:cTn>
+                        </p:par>
+                      </p:childTnLst>
+                    </p:cTn>
+                  </p:par>
+                  <p:par>
+                    <p:cTn id="7" fill="hold">
+                      <p:stCondLst>
+                        <p:cond delay="indefinite"/>
+                      </p:stCondLst>
+                      <p:childTnLst>
+                        <p:par>
+                          <p:cTn id="8" fill="hold">
+                            <p:stCondLst>
+                              <p:cond delay="0"/>
+                            </p:stCondLst>
+                            <p:childTnLst>
+                              <p:par>
+                                <p:cTn id="9" presetID="1" presetClass="entr" presetSubtype="0" fill="hold" grpId="0" nodeType="clickEffect">
+                                  <p:stCondLst>
+                                    <p:cond delay="0"/>
+                                  </p:stCondLst>
+                                  <p:childTnLst>
+                                    <p:set>
+                                      <p:cBhvr>
+                                        <p:cTn id="10" dur="1" fill="hold">
+                                          <p:stCondLst>
+                                            <p:cond delay="0"/>
+                                          </p:stCondLst>
+                                        </p:cTn>
+                                        <p:tgtEl>
+                                          <p:spTgt spid="3">
+                                            <p:txEl>
+                                              <p:pRg st="1" end="1"/>
+                                            </p:txEl>
+                                          </p:spTgt>
+                                        </p:tgtEl>
+                                        <p:attrNameLst>
+                                          <p:attrName>style.visibility</p:attrName>
+                                        </p:attrNameLst>
+                                      </p:cBhvr>
+                                      <p:to>
+                                        <p:strVal val="visible"/>
+                                      </p:to>
+                                    </p:set>
+                                  </p:childTnLst>
+                                </p:cTn>
+                              </p:par>
+                            </p:childTnLst>
+                          </p:cTn>
+                        </p:par>
+                      </p:childTnLst>
+                    </p:cTn>
+                  </p:par>
+                  <p:par>
+                    <p:cTn id="11" fill="hold">
+                      <p:stCondLst>
+                        <p:cond delay="indefinite"/>
+                      </p:stCondLst>
+                      <p:childTnLst>
+                        <p:par>
+                          <p:cTn id="12" fill="hold">
+                            <p:stCondLst>
+                              <p:cond delay="0"/>
+                            </p:stCondLst>
+                            <p:childTnLst>
+                              <p:par>
+                                <p:cTn id="13" presetID="1" presetClass="entr" presetSubtype="0" fill="hold" grpId="0" nodeType="clickEffect">
+                                  <p:stCondLst>
+                                    <p:cond delay="0"/>
+                                  </p:stCondLst>
+                                  <p:childTnLst>
+                                    <p:set>
+                                      <p:cBhvr>
+                                        <p:cTn id="14" dur="1" fill="hold">
+                                          <p:stCondLst>
+                                            <p:cond delay="0"/>
+                                          </p:stCondLst>
+                                        </p:cTn>
+                                        <p:tgtEl>
+                                          <p:spTgt spid="3">
+                                            <p:txEl>
+                                              <p:pRg st="2" end="2"/>
+                                            </p:txEl>
+                                          </p:spTgt>
+                                        </p:tgtEl>
+                                        <p:attrNameLst>
+                                          <p:attrName>style.visibility</p:attrName>
+                                        </p:attrNameLst>
+                                      </p:cBhvr>
+                                      <p:to>
+                                        <p:strVal val="visible"/>
+                                      </p:to>
+                                    </p:set>
+                                  </p:childTnLst>
+                                </p:cTn>
+                              </p:par>
+                            </p:childTnLst>
+                          </p:cTn>
+                        </p:par>
+                      </p:childTnLst>
+                    </p:cTn>
+                  </p:par>
+                  <p:par>
+                    <p:cTn id="15" fill="hold">
+                      <p:stCondLst>
+                        <p:cond delay="indefinite"/>
+                      </p:stCondLst>
+                      <p:childTnLst>
+                        <p:par>
+                          <p:cTn id="16" fill="hold">
+                            <p:stCondLst>
+                              <p:cond delay="0"/>
+                            </p:stCondLst>
+                            <p:childTnLst>
+                              <p:par>
+                                <p:cTn id="17" presetID="1" presetClass="entr" presetSubtype="0" fill="hold" grpId="0" nodeType="clickEffect">
+                                  <p:stCondLst>
+                                    <p:cond delay="0"/>
+                                  </p:stCondLst>
+                                  <p:childTnLst>
+                                    <p:set>
+                                      <p:cBhvr>
+                                        <p:cTn id="18" dur="1" fill="hold">
+                                          <p:stCondLst>
+                                            <p:cond delay="0"/>
+                                          </p:stCondLst>
+                                        </p:cTn>
+                                        <p:tgtEl>
+                                          <p:spTgt spid="3">
+                                            <p:txEl>
+                                              <p:pRg st="3" end="3"/>
+                                            </p:txEl>
+                                          </p:spTgt>
+                                        </p:tgtEl>
+                                        <p:attrNameLst>
+                                          <p:attrName>style.visibility</p:attrName>
+                                        </p:attrNameLst>
+                                      </p:cBhvr>
+                                      <p:to>
+                                        <p:strVal val="visible"/>
+                                      </p:to>
+                                    </p:set>
+                                  </p:childTnLst>
+                                </p:cTn>
+                              </p:par>
+                            </p:childTnLst>
+                          </p:cTn>
+                        </p:par>
+                      </p:childTnLst>
+                    </p:cTn>
+                  </p:par>
+                  <p:par>
+                    <p:cTn id="19" fill="hold">
+                      <p:stCondLst>
+                        <p:cond delay="indefinite"/>
+                      </p:stCondLst>
+                      <p:childTnLst>
+                        <p:par>
+                          <p:cTn id="20" fill="hold">
+                            <p:stCondLst>
+                              <p:cond delay="0"/>
+                            </p:stCondLst>
+                            <p:childTnLst>
+                              <p:par>
+                                <p:cTn id="21" presetID="1" presetClass="entr" presetSubtype="0" fill="hold" grpId="0" nodeType="clickEffect">
+                                  <p:stCondLst>
+                                    <p:cond delay="0"/>
+                                  </p:stCondLst>
+                                  <p:childTnLst>
+                                    <p:set>
+                                      <p:cBhvr>
+                                        <p:cTn id="22" dur="1" fill="hold">
+                                          <p:stCondLst>
+                                            <p:cond delay="0"/>
+                                          </p:stCondLst>
+                                        </p:cTn>
+                                        <p:tgtEl>
+                                          <p:spTgt spid="3">
+                                            <p:txEl>
+                                              <p:pRg st="4" end="4"/>
+                                            </p:txEl>
+                                          </p:spTgt>
+                                        </p:tgtEl>
+                                        <p:attrNameLst>
+                                          <p:attrName>style.visibility</p:attrName>
+                                        </p:attrNameLst>
+                                      </p:cBhvr>
+                                      <p:to>
+                                        <p:strVal val="visible"/>
+                                      </p:to>
+                                    </p:set>
+                                  </p:childTnLst>
+                                </p:cTn>
+                              </p:par>
+                            </p:childTnLst>
+                          </p:cTn>
+                        </p:par>
+                      </p:childTnLst>
+                    </p:cTn>
+                  </p:par>
+                </p:childTnLst>
+              </p:cTn>
+              <p:prevCondLst>
+                <p:cond evt="onPrev" delay="0">
+                  <p:tgtEl>
+                    <p:sldTgt/>
+                  </p:tgtEl>
+                </p:cond>
+              </p:prevCondLst>
+              <p:nextCondLst>
+                <p:cond evt="onNext" delay="0">
+                  <p:tgtEl>
+                    <p:sldTgt/>
+                  </p:tgtEl>
+                </p:cond>
+              </p:nextCondLst>
+            </p:seq>
+          </p:childTnLst>
+        </p:cTn>
+      </p:par>
+    </p:tnLst>
+    <p:bldLst>
+      <p:bldP spid="3" grpId="0" build="p"/>
+    </p:bldLst>
+  </p:timing>
+</p:sld>
+</file>
+
+<file path=ppt/slides/slide40.xml><?xml version="1.0" encoding="utf-8"?>
 <p:sld xmlns:a="http://schemas.openxmlformats.org/drawingml/2006/main" xmlns:r="http://schemas.openxmlformats.org/officeDocument/2006/relationships" xmlns:p="http://schemas.openxmlformats.org/presentationml/2006/main">
   <p:cSld>
     <p:spTree>
@@ -10359,287 +10789,7 @@
 </p:sld>
 </file>
 
-<file path=ppt/slides/slide4.xml><?xml version="1.0" encoding="utf-8"?>
-<p:sld xmlns:a="http://schemas.openxmlformats.org/drawingml/2006/main" xmlns:r="http://schemas.openxmlformats.org/officeDocument/2006/relationships" xmlns:p="http://schemas.openxmlformats.org/presentationml/2006/main">
-  <p:cSld>
-    <p:spTree>
-      <p:nvGrpSpPr>
-        <p:cNvPr id="1" name=""/>
-        <p:cNvGrpSpPr/>
-        <p:nvPr/>
-      </p:nvGrpSpPr>
-      <p:grpSpPr>
-        <a:xfrm>
-          <a:off x="0" y="0"/>
-          <a:ext cx="0" cy="0"/>
-          <a:chOff x="0" y="0"/>
-          <a:chExt cx="0" cy="0"/>
-        </a:xfrm>
-      </p:grpSpPr>
-      <p:sp>
-        <p:nvSpPr>
-          <p:cNvPr id="2" name="Title 1">
-            <a:extLst>
-              <a:ext uri="{FF2B5EF4-FFF2-40B4-BE49-F238E27FC236}">
-                <a16:creationId xmlns:a16="http://schemas.microsoft.com/office/drawing/2014/main" id="{EE056A80-BA2E-107C-8576-FF68DC91D6D2}"/>
-              </a:ext>
-            </a:extLst>
-          </p:cNvPr>
-          <p:cNvSpPr>
-            <a:spLocks noGrp="1"/>
-          </p:cNvSpPr>
-          <p:nvPr>
-            <p:ph type="title"/>
-          </p:nvPr>
-        </p:nvSpPr>
-        <p:spPr/>
-        <p:txBody>
-          <a:bodyPr/>
-          <a:lstStyle/>
-          <a:p>
-            <a:r>
-              <a:rPr lang="en-US" dirty="0"/>
-              <a:t>But why?</a:t>
-            </a:r>
-            <a:endParaRPr lang="en-BE" dirty="0"/>
-          </a:p>
-        </p:txBody>
-      </p:sp>
-      <p:sp>
-        <p:nvSpPr>
-          <p:cNvPr id="3" name="Content Placeholder 2">
-            <a:extLst>
-              <a:ext uri="{FF2B5EF4-FFF2-40B4-BE49-F238E27FC236}">
-                <a16:creationId xmlns:a16="http://schemas.microsoft.com/office/drawing/2014/main" id="{D13BAC67-A1E0-43CD-F47A-DBA1C94A90D5}"/>
-              </a:ext>
-            </a:extLst>
-          </p:cNvPr>
-          <p:cNvSpPr>
-            <a:spLocks noGrp="1"/>
-          </p:cNvSpPr>
-          <p:nvPr>
-            <p:ph idx="1"/>
-          </p:nvPr>
-        </p:nvSpPr>
-        <p:spPr/>
-        <p:txBody>
-          <a:bodyPr/>
-          <a:lstStyle/>
-          <a:p>
-            <a:r>
-              <a:rPr lang="en-US" dirty="0"/>
-              <a:t>Finding bugs</a:t>
-            </a:r>
-          </a:p>
-          <a:p>
-            <a:r>
-              <a:rPr lang="en-US" dirty="0"/>
-              <a:t>Keep your co-workers from breaking your code</a:t>
-            </a:r>
-          </a:p>
-          <a:p>
-            <a:r>
-              <a:rPr lang="en-US" dirty="0"/>
-              <a:t>Improve code quality and readability</a:t>
-            </a:r>
-            <a:endParaRPr lang="en-BE" dirty="0"/>
-          </a:p>
-        </p:txBody>
-      </p:sp>
-    </p:spTree>
-    <p:extLst>
-      <p:ext uri="{BB962C8B-B14F-4D97-AF65-F5344CB8AC3E}">
-        <p14:creationId xmlns:p14="http://schemas.microsoft.com/office/powerpoint/2010/main" val="4239389835"/>
-      </p:ext>
-    </p:extLst>
-  </p:cSld>
-  <p:clrMapOvr>
-    <a:masterClrMapping/>
-  </p:clrMapOvr>
-  <p:timing>
-    <p:tnLst>
-      <p:par>
-        <p:cTn id="1" dur="indefinite" restart="never" nodeType="tmRoot">
-          <p:childTnLst>
-            <p:seq concurrent="1" nextAc="seek">
-              <p:cTn id="2" dur="indefinite" nodeType="mainSeq">
-                <p:childTnLst>
-                  <p:par>
-                    <p:cTn id="3" fill="hold">
-                      <p:stCondLst>
-                        <p:cond delay="indefinite"/>
-                      </p:stCondLst>
-                      <p:childTnLst>
-                        <p:par>
-                          <p:cTn id="4" fill="hold">
-                            <p:stCondLst>
-                              <p:cond delay="0"/>
-                            </p:stCondLst>
-                            <p:childTnLst>
-                              <p:par>
-                                <p:cTn id="5" presetID="1" presetClass="entr" presetSubtype="0" fill="hold" grpId="0" nodeType="clickEffect">
-                                  <p:stCondLst>
-                                    <p:cond delay="0"/>
-                                  </p:stCondLst>
-                                  <p:childTnLst>
-                                    <p:set>
-                                      <p:cBhvr>
-                                        <p:cTn id="6" dur="1" fill="hold">
-                                          <p:stCondLst>
-                                            <p:cond delay="0"/>
-                                          </p:stCondLst>
-                                        </p:cTn>
-                                        <p:tgtEl>
-                                          <p:spTgt spid="3">
-                                            <p:txEl>
-                                              <p:pRg st="0" end="0"/>
-                                            </p:txEl>
-                                          </p:spTgt>
-                                        </p:tgtEl>
-                                        <p:attrNameLst>
-                                          <p:attrName>style.visibility</p:attrName>
-                                        </p:attrNameLst>
-                                      </p:cBhvr>
-                                      <p:to>
-                                        <p:strVal val="visible"/>
-                                      </p:to>
-                                    </p:set>
-                                  </p:childTnLst>
-                                </p:cTn>
-                              </p:par>
-                            </p:childTnLst>
-                          </p:cTn>
-                        </p:par>
-                      </p:childTnLst>
-                    </p:cTn>
-                  </p:par>
-                  <p:par>
-                    <p:cTn id="7" fill="hold">
-                      <p:stCondLst>
-                        <p:cond delay="indefinite"/>
-                      </p:stCondLst>
-                      <p:childTnLst>
-                        <p:par>
-                          <p:cTn id="8" fill="hold">
-                            <p:stCondLst>
-                              <p:cond delay="0"/>
-                            </p:stCondLst>
-                            <p:childTnLst>
-                              <p:par>
-                                <p:cTn id="9" presetID="1" presetClass="entr" presetSubtype="0" fill="hold" grpId="0" nodeType="clickEffect">
-                                  <p:stCondLst>
-                                    <p:cond delay="0"/>
-                                  </p:stCondLst>
-                                  <p:childTnLst>
-                                    <p:set>
-                                      <p:cBhvr>
-                                        <p:cTn id="10" dur="1" fill="hold">
-                                          <p:stCondLst>
-                                            <p:cond delay="0"/>
-                                          </p:stCondLst>
-                                        </p:cTn>
-                                        <p:tgtEl>
-                                          <p:spTgt spid="3">
-                                            <p:txEl>
-                                              <p:pRg st="1" end="1"/>
-                                            </p:txEl>
-                                          </p:spTgt>
-                                        </p:tgtEl>
-                                        <p:attrNameLst>
-                                          <p:attrName>style.visibility</p:attrName>
-                                        </p:attrNameLst>
-                                      </p:cBhvr>
-                                      <p:to>
-                                        <p:strVal val="visible"/>
-                                      </p:to>
-                                    </p:set>
-                                  </p:childTnLst>
-                                </p:cTn>
-                              </p:par>
-                            </p:childTnLst>
-                          </p:cTn>
-                        </p:par>
-                      </p:childTnLst>
-                    </p:cTn>
-                  </p:par>
-                  <p:par>
-                    <p:cTn id="11" fill="hold">
-                      <p:stCondLst>
-                        <p:cond delay="indefinite"/>
-                      </p:stCondLst>
-                      <p:childTnLst>
-                        <p:par>
-                          <p:cTn id="12" fill="hold">
-                            <p:stCondLst>
-                              <p:cond delay="0"/>
-                            </p:stCondLst>
-                            <p:childTnLst>
-                              <p:par>
-                                <p:cTn id="13" presetID="1" presetClass="entr" presetSubtype="0" fill="hold" grpId="0" nodeType="clickEffect">
-                                  <p:stCondLst>
-                                    <p:cond delay="0"/>
-                                  </p:stCondLst>
-                                  <p:childTnLst>
-                                    <p:set>
-                                      <p:cBhvr>
-                                        <p:cTn id="14" dur="1" fill="hold">
-                                          <p:stCondLst>
-                                            <p:cond delay="0"/>
-                                          </p:stCondLst>
-                                        </p:cTn>
-                                        <p:tgtEl>
-                                          <p:spTgt spid="3">
-                                            <p:txEl>
-                                              <p:pRg st="2" end="2"/>
-                                            </p:txEl>
-                                          </p:spTgt>
-                                        </p:tgtEl>
-                                        <p:attrNameLst>
-                                          <p:attrName>style.visibility</p:attrName>
-                                        </p:attrNameLst>
-                                      </p:cBhvr>
-                                      <p:to>
-                                        <p:strVal val="visible"/>
-                                      </p:to>
-                                    </p:set>
-                                  </p:childTnLst>
-                                </p:cTn>
-                              </p:par>
-                            </p:childTnLst>
-                          </p:cTn>
-                        </p:par>
-                      </p:childTnLst>
-                    </p:cTn>
-                  </p:par>
-                </p:childTnLst>
-              </p:cTn>
-              <p:prevCondLst>
-                <p:cond evt="onPrev" delay="0">
-                  <p:tgtEl>
-                    <p:sldTgt/>
-                  </p:tgtEl>
-                </p:cond>
-              </p:prevCondLst>
-              <p:nextCondLst>
-                <p:cond evt="onNext" delay="0">
-                  <p:tgtEl>
-                    <p:sldTgt/>
-                  </p:tgtEl>
-                </p:cond>
-              </p:nextCondLst>
-            </p:seq>
-          </p:childTnLst>
-        </p:cTn>
-      </p:par>
-    </p:tnLst>
-    <p:bldLst>
-      <p:bldP spid="3" grpId="0" build="p"/>
-    </p:bldLst>
-  </p:timing>
-</p:sld>
-</file>
-
-<file path=ppt/slides/slide40.xml><?xml version="1.0" encoding="utf-8"?>
+<file path=ppt/slides/slide41.xml><?xml version="1.0" encoding="utf-8"?>
 <p:sld xmlns:a="http://schemas.openxmlformats.org/drawingml/2006/main" xmlns:r="http://schemas.openxmlformats.org/officeDocument/2006/relationships" xmlns:p="http://schemas.openxmlformats.org/presentationml/2006/main">
   <p:cSld>
     <p:spTree>
@@ -10927,7 +11077,7 @@
 </p:sld>
 </file>
 
-<file path=ppt/slides/slide41.xml><?xml version="1.0" encoding="utf-8"?>
+<file path=ppt/slides/slide42.xml><?xml version="1.0" encoding="utf-8"?>
 <p:sld xmlns:a="http://schemas.openxmlformats.org/drawingml/2006/main" xmlns:r="http://schemas.openxmlformats.org/officeDocument/2006/relationships" xmlns:p="http://schemas.openxmlformats.org/presentationml/2006/main">
   <p:cSld>
     <p:spTree>
@@ -11318,7 +11468,7 @@
 </p:sld>
 </file>
 
-<file path=ppt/slides/slide42.xml><?xml version="1.0" encoding="utf-8"?>
+<file path=ppt/slides/slide43.xml><?xml version="1.0" encoding="utf-8"?>
 <p:sld xmlns:a="http://schemas.openxmlformats.org/drawingml/2006/main" xmlns:r="http://schemas.openxmlformats.org/officeDocument/2006/relationships" xmlns:p="http://schemas.openxmlformats.org/presentationml/2006/main">
   <p:cSld>
     <p:spTree>
@@ -11543,7 +11693,7 @@
 </p:sld>
 </file>
 
-<file path=ppt/slides/slide43.xml><?xml version="1.0" encoding="utf-8"?>
+<file path=ppt/slides/slide44.xml><?xml version="1.0" encoding="utf-8"?>
 <p:sld xmlns:a="http://schemas.openxmlformats.org/drawingml/2006/main" xmlns:r="http://schemas.openxmlformats.org/officeDocument/2006/relationships" xmlns:p="http://schemas.openxmlformats.org/presentationml/2006/main">
   <p:cSld>
     <p:spTree>
@@ -11933,7 +12083,7 @@
 </p:sld>
 </file>
 
-<file path=ppt/slides/slide44.xml><?xml version="1.0" encoding="utf-8"?>
+<file path=ppt/slides/slide45.xml><?xml version="1.0" encoding="utf-8"?>
 <p:sld xmlns:a="http://schemas.openxmlformats.org/drawingml/2006/main" xmlns:r="http://schemas.openxmlformats.org/officeDocument/2006/relationships" xmlns:p="http://schemas.openxmlformats.org/presentationml/2006/main">
   <p:cSld>
     <p:spTree>
@@ -12166,7 +12316,7 @@
 </p:sld>
 </file>
 
-<file path=ppt/slides/slide45.xml><?xml version="1.0" encoding="utf-8"?>
+<file path=ppt/slides/slide46.xml><?xml version="1.0" encoding="utf-8"?>
 <p:sld xmlns:a="http://schemas.openxmlformats.org/drawingml/2006/main" xmlns:r="http://schemas.openxmlformats.org/officeDocument/2006/relationships" xmlns:p="http://schemas.openxmlformats.org/presentationml/2006/main">
   <p:cSld>
     <p:spTree>
@@ -12254,7 +12404,7 @@
 </p:sld>
 </file>
 
-<file path=ppt/slides/slide46.xml><?xml version="1.0" encoding="utf-8"?>
+<file path=ppt/slides/slide47.xml><?xml version="1.0" encoding="utf-8"?>
 <p:sld xmlns:a="http://schemas.openxmlformats.org/drawingml/2006/main" xmlns:r="http://schemas.openxmlformats.org/officeDocument/2006/relationships" xmlns:p="http://schemas.openxmlformats.org/presentationml/2006/main">
   <p:cSld>
     <p:spTree>
@@ -12479,7 +12629,7 @@
 </p:sld>
 </file>
 
-<file path=ppt/slides/slide47.xml><?xml version="1.0" encoding="utf-8"?>
+<file path=ppt/slides/slide48.xml><?xml version="1.0" encoding="utf-8"?>
 <p:sld xmlns:a="http://schemas.openxmlformats.org/drawingml/2006/main" xmlns:r="http://schemas.openxmlformats.org/officeDocument/2006/relationships" xmlns:p="http://schemas.openxmlformats.org/presentationml/2006/main">
   <p:cSld>
     <p:spTree>
@@ -12759,7 +12909,7 @@
 </p:sld>
 </file>
 
-<file path=ppt/slides/slide48.xml><?xml version="1.0" encoding="utf-8"?>
+<file path=ppt/slides/slide49.xml><?xml version="1.0" encoding="utf-8"?>
 <p:sld xmlns:a="http://schemas.openxmlformats.org/drawingml/2006/main" xmlns:r="http://schemas.openxmlformats.org/officeDocument/2006/relationships" xmlns:p="http://schemas.openxmlformats.org/presentationml/2006/main">
   <p:cSld>
     <p:spTree>
@@ -13094,7 +13244,287 @@
 </p:sld>
 </file>
 
-<file path=ppt/slides/slide49.xml><?xml version="1.0" encoding="utf-8"?>
+<file path=ppt/slides/slide5.xml><?xml version="1.0" encoding="utf-8"?>
+<p:sld xmlns:a="http://schemas.openxmlformats.org/drawingml/2006/main" xmlns:r="http://schemas.openxmlformats.org/officeDocument/2006/relationships" xmlns:p="http://schemas.openxmlformats.org/presentationml/2006/main">
+  <p:cSld>
+    <p:spTree>
+      <p:nvGrpSpPr>
+        <p:cNvPr id="1" name=""/>
+        <p:cNvGrpSpPr/>
+        <p:nvPr/>
+      </p:nvGrpSpPr>
+      <p:grpSpPr>
+        <a:xfrm>
+          <a:off x="0" y="0"/>
+          <a:ext cx="0" cy="0"/>
+          <a:chOff x="0" y="0"/>
+          <a:chExt cx="0" cy="0"/>
+        </a:xfrm>
+      </p:grpSpPr>
+      <p:sp>
+        <p:nvSpPr>
+          <p:cNvPr id="2" name="Title 1">
+            <a:extLst>
+              <a:ext uri="{FF2B5EF4-FFF2-40B4-BE49-F238E27FC236}">
+                <a16:creationId xmlns:a16="http://schemas.microsoft.com/office/drawing/2014/main" id="{EE056A80-BA2E-107C-8576-FF68DC91D6D2}"/>
+              </a:ext>
+            </a:extLst>
+          </p:cNvPr>
+          <p:cNvSpPr>
+            <a:spLocks noGrp="1"/>
+          </p:cNvSpPr>
+          <p:nvPr>
+            <p:ph type="title"/>
+          </p:nvPr>
+        </p:nvSpPr>
+        <p:spPr/>
+        <p:txBody>
+          <a:bodyPr/>
+          <a:lstStyle/>
+          <a:p>
+            <a:r>
+              <a:rPr lang="en-US" dirty="0"/>
+              <a:t>But why?</a:t>
+            </a:r>
+            <a:endParaRPr lang="en-BE" dirty="0"/>
+          </a:p>
+        </p:txBody>
+      </p:sp>
+      <p:sp>
+        <p:nvSpPr>
+          <p:cNvPr id="3" name="Content Placeholder 2">
+            <a:extLst>
+              <a:ext uri="{FF2B5EF4-FFF2-40B4-BE49-F238E27FC236}">
+                <a16:creationId xmlns:a16="http://schemas.microsoft.com/office/drawing/2014/main" id="{D13BAC67-A1E0-43CD-F47A-DBA1C94A90D5}"/>
+              </a:ext>
+            </a:extLst>
+          </p:cNvPr>
+          <p:cNvSpPr>
+            <a:spLocks noGrp="1"/>
+          </p:cNvSpPr>
+          <p:nvPr>
+            <p:ph idx="1"/>
+          </p:nvPr>
+        </p:nvSpPr>
+        <p:spPr/>
+        <p:txBody>
+          <a:bodyPr/>
+          <a:lstStyle/>
+          <a:p>
+            <a:r>
+              <a:rPr lang="en-US" dirty="0"/>
+              <a:t>Finding bugs</a:t>
+            </a:r>
+          </a:p>
+          <a:p>
+            <a:r>
+              <a:rPr lang="en-US" dirty="0"/>
+              <a:t>Keep your co-workers from breaking your code</a:t>
+            </a:r>
+          </a:p>
+          <a:p>
+            <a:r>
+              <a:rPr lang="en-US" dirty="0"/>
+              <a:t>Improve code quality and readability</a:t>
+            </a:r>
+            <a:endParaRPr lang="en-BE" dirty="0"/>
+          </a:p>
+        </p:txBody>
+      </p:sp>
+    </p:spTree>
+    <p:extLst>
+      <p:ext uri="{BB962C8B-B14F-4D97-AF65-F5344CB8AC3E}">
+        <p14:creationId xmlns:p14="http://schemas.microsoft.com/office/powerpoint/2010/main" val="4239389835"/>
+      </p:ext>
+    </p:extLst>
+  </p:cSld>
+  <p:clrMapOvr>
+    <a:masterClrMapping/>
+  </p:clrMapOvr>
+  <p:timing>
+    <p:tnLst>
+      <p:par>
+        <p:cTn id="1" dur="indefinite" restart="never" nodeType="tmRoot">
+          <p:childTnLst>
+            <p:seq concurrent="1" nextAc="seek">
+              <p:cTn id="2" dur="indefinite" nodeType="mainSeq">
+                <p:childTnLst>
+                  <p:par>
+                    <p:cTn id="3" fill="hold">
+                      <p:stCondLst>
+                        <p:cond delay="indefinite"/>
+                      </p:stCondLst>
+                      <p:childTnLst>
+                        <p:par>
+                          <p:cTn id="4" fill="hold">
+                            <p:stCondLst>
+                              <p:cond delay="0"/>
+                            </p:stCondLst>
+                            <p:childTnLst>
+                              <p:par>
+                                <p:cTn id="5" presetID="1" presetClass="entr" presetSubtype="0" fill="hold" grpId="0" nodeType="clickEffect">
+                                  <p:stCondLst>
+                                    <p:cond delay="0"/>
+                                  </p:stCondLst>
+                                  <p:childTnLst>
+                                    <p:set>
+                                      <p:cBhvr>
+                                        <p:cTn id="6" dur="1" fill="hold">
+                                          <p:stCondLst>
+                                            <p:cond delay="0"/>
+                                          </p:stCondLst>
+                                        </p:cTn>
+                                        <p:tgtEl>
+                                          <p:spTgt spid="3">
+                                            <p:txEl>
+                                              <p:pRg st="0" end="0"/>
+                                            </p:txEl>
+                                          </p:spTgt>
+                                        </p:tgtEl>
+                                        <p:attrNameLst>
+                                          <p:attrName>style.visibility</p:attrName>
+                                        </p:attrNameLst>
+                                      </p:cBhvr>
+                                      <p:to>
+                                        <p:strVal val="visible"/>
+                                      </p:to>
+                                    </p:set>
+                                  </p:childTnLst>
+                                </p:cTn>
+                              </p:par>
+                            </p:childTnLst>
+                          </p:cTn>
+                        </p:par>
+                      </p:childTnLst>
+                    </p:cTn>
+                  </p:par>
+                  <p:par>
+                    <p:cTn id="7" fill="hold">
+                      <p:stCondLst>
+                        <p:cond delay="indefinite"/>
+                      </p:stCondLst>
+                      <p:childTnLst>
+                        <p:par>
+                          <p:cTn id="8" fill="hold">
+                            <p:stCondLst>
+                              <p:cond delay="0"/>
+                            </p:stCondLst>
+                            <p:childTnLst>
+                              <p:par>
+                                <p:cTn id="9" presetID="1" presetClass="entr" presetSubtype="0" fill="hold" grpId="0" nodeType="clickEffect">
+                                  <p:stCondLst>
+                                    <p:cond delay="0"/>
+                                  </p:stCondLst>
+                                  <p:childTnLst>
+                                    <p:set>
+                                      <p:cBhvr>
+                                        <p:cTn id="10" dur="1" fill="hold">
+                                          <p:stCondLst>
+                                            <p:cond delay="0"/>
+                                          </p:stCondLst>
+                                        </p:cTn>
+                                        <p:tgtEl>
+                                          <p:spTgt spid="3">
+                                            <p:txEl>
+                                              <p:pRg st="1" end="1"/>
+                                            </p:txEl>
+                                          </p:spTgt>
+                                        </p:tgtEl>
+                                        <p:attrNameLst>
+                                          <p:attrName>style.visibility</p:attrName>
+                                        </p:attrNameLst>
+                                      </p:cBhvr>
+                                      <p:to>
+                                        <p:strVal val="visible"/>
+                                      </p:to>
+                                    </p:set>
+                                  </p:childTnLst>
+                                </p:cTn>
+                              </p:par>
+                            </p:childTnLst>
+                          </p:cTn>
+                        </p:par>
+                      </p:childTnLst>
+                    </p:cTn>
+                  </p:par>
+                  <p:par>
+                    <p:cTn id="11" fill="hold">
+                      <p:stCondLst>
+                        <p:cond delay="indefinite"/>
+                      </p:stCondLst>
+                      <p:childTnLst>
+                        <p:par>
+                          <p:cTn id="12" fill="hold">
+                            <p:stCondLst>
+                              <p:cond delay="0"/>
+                            </p:stCondLst>
+                            <p:childTnLst>
+                              <p:par>
+                                <p:cTn id="13" presetID="1" presetClass="entr" presetSubtype="0" fill="hold" grpId="0" nodeType="clickEffect">
+                                  <p:stCondLst>
+                                    <p:cond delay="0"/>
+                                  </p:stCondLst>
+                                  <p:childTnLst>
+                                    <p:set>
+                                      <p:cBhvr>
+                                        <p:cTn id="14" dur="1" fill="hold">
+                                          <p:stCondLst>
+                                            <p:cond delay="0"/>
+                                          </p:stCondLst>
+                                        </p:cTn>
+                                        <p:tgtEl>
+                                          <p:spTgt spid="3">
+                                            <p:txEl>
+                                              <p:pRg st="2" end="2"/>
+                                            </p:txEl>
+                                          </p:spTgt>
+                                        </p:tgtEl>
+                                        <p:attrNameLst>
+                                          <p:attrName>style.visibility</p:attrName>
+                                        </p:attrNameLst>
+                                      </p:cBhvr>
+                                      <p:to>
+                                        <p:strVal val="visible"/>
+                                      </p:to>
+                                    </p:set>
+                                  </p:childTnLst>
+                                </p:cTn>
+                              </p:par>
+                            </p:childTnLst>
+                          </p:cTn>
+                        </p:par>
+                      </p:childTnLst>
+                    </p:cTn>
+                  </p:par>
+                </p:childTnLst>
+              </p:cTn>
+              <p:prevCondLst>
+                <p:cond evt="onPrev" delay="0">
+                  <p:tgtEl>
+                    <p:sldTgt/>
+                  </p:tgtEl>
+                </p:cond>
+              </p:prevCondLst>
+              <p:nextCondLst>
+                <p:cond evt="onNext" delay="0">
+                  <p:tgtEl>
+                    <p:sldTgt/>
+                  </p:tgtEl>
+                </p:cond>
+              </p:nextCondLst>
+            </p:seq>
+          </p:childTnLst>
+        </p:cTn>
+      </p:par>
+    </p:tnLst>
+    <p:bldLst>
+      <p:bldP spid="3" grpId="0" build="p"/>
+    </p:bldLst>
+  </p:timing>
+</p:sld>
+</file>
+
+<file path=ppt/slides/slide50.xml><?xml version="1.0" encoding="utf-8"?>
 <p:sld xmlns:a="http://schemas.openxmlformats.org/drawingml/2006/main" xmlns:r="http://schemas.openxmlformats.org/officeDocument/2006/relationships" xmlns:p="http://schemas.openxmlformats.org/presentationml/2006/main">
   <p:cSld>
     <p:spTree>
@@ -13374,177 +13804,7 @@
 </p:sld>
 </file>
 
-<file path=ppt/slides/slide5.xml><?xml version="1.0" encoding="utf-8"?>
-<p:sld xmlns:a="http://schemas.openxmlformats.org/drawingml/2006/main" xmlns:r="http://schemas.openxmlformats.org/officeDocument/2006/relationships" xmlns:p="http://schemas.openxmlformats.org/presentationml/2006/main">
-  <p:cSld>
-    <p:spTree>
-      <p:nvGrpSpPr>
-        <p:cNvPr id="1" name=""/>
-        <p:cNvGrpSpPr/>
-        <p:nvPr/>
-      </p:nvGrpSpPr>
-      <p:grpSpPr>
-        <a:xfrm>
-          <a:off x="0" y="0"/>
-          <a:ext cx="0" cy="0"/>
-          <a:chOff x="0" y="0"/>
-          <a:chExt cx="0" cy="0"/>
-        </a:xfrm>
-      </p:grpSpPr>
-      <p:sp>
-        <p:nvSpPr>
-          <p:cNvPr id="2" name="Title 1">
-            <a:extLst>
-              <a:ext uri="{FF2B5EF4-FFF2-40B4-BE49-F238E27FC236}">
-                <a16:creationId xmlns:a16="http://schemas.microsoft.com/office/drawing/2014/main" id="{F587DA7F-1D90-9AE7-9EDD-5D0627088596}"/>
-              </a:ext>
-            </a:extLst>
-          </p:cNvPr>
-          <p:cNvSpPr>
-            <a:spLocks noGrp="1"/>
-          </p:cNvSpPr>
-          <p:nvPr>
-            <p:ph type="title"/>
-          </p:nvPr>
-        </p:nvSpPr>
-        <p:spPr/>
-        <p:txBody>
-          <a:bodyPr/>
-          <a:lstStyle/>
-          <a:p>
-            <a:r>
-              <a:rPr lang="en-US" dirty="0"/>
-              <a:t>A word on TDD</a:t>
-            </a:r>
-            <a:endParaRPr lang="en-BE" dirty="0"/>
-          </a:p>
-        </p:txBody>
-      </p:sp>
-      <p:sp>
-        <p:nvSpPr>
-          <p:cNvPr id="3" name="Content Placeholder 2">
-            <a:extLst>
-              <a:ext uri="{FF2B5EF4-FFF2-40B4-BE49-F238E27FC236}">
-                <a16:creationId xmlns:a16="http://schemas.microsoft.com/office/drawing/2014/main" id="{72DF0373-D249-4C0A-6D9C-A20532F43CFB}"/>
-              </a:ext>
-            </a:extLst>
-          </p:cNvPr>
-          <p:cNvSpPr>
-            <a:spLocks noGrp="1"/>
-          </p:cNvSpPr>
-          <p:nvPr>
-            <p:ph idx="1"/>
-          </p:nvPr>
-        </p:nvSpPr>
-        <p:spPr/>
-        <p:txBody>
-          <a:bodyPr/>
-          <a:lstStyle/>
-          <a:p>
-            <a:r>
-              <a:rPr lang="en-US" dirty="0"/>
-              <a:t>Cool</a:t>
-            </a:r>
-            <a:endParaRPr lang="en-BE" dirty="0"/>
-          </a:p>
-        </p:txBody>
-      </p:sp>
-    </p:spTree>
-    <p:extLst>
-      <p:ext uri="{BB962C8B-B14F-4D97-AF65-F5344CB8AC3E}">
-        <p14:creationId xmlns:p14="http://schemas.microsoft.com/office/powerpoint/2010/main" val="719773532"/>
-      </p:ext>
-    </p:extLst>
-  </p:cSld>
-  <p:clrMapOvr>
-    <a:masterClrMapping/>
-  </p:clrMapOvr>
-  <p:timing>
-    <p:tnLst>
-      <p:par>
-        <p:cTn id="1" dur="indefinite" restart="never" nodeType="tmRoot">
-          <p:childTnLst>
-            <p:seq concurrent="1" nextAc="seek">
-              <p:cTn id="2" dur="indefinite" nodeType="mainSeq">
-                <p:childTnLst>
-                  <p:par>
-                    <p:cTn id="3" fill="hold">
-                      <p:stCondLst>
-                        <p:cond delay="indefinite"/>
-                      </p:stCondLst>
-                      <p:childTnLst>
-                        <p:par>
-                          <p:cTn id="4" fill="hold">
-                            <p:stCondLst>
-                              <p:cond delay="0"/>
-                            </p:stCondLst>
-                            <p:childTnLst>
-                              <p:par>
-                                <p:cTn id="5" presetID="1" presetClass="entr" presetSubtype="0" fill="hold" grpId="0" nodeType="clickEffect">
-                                  <p:stCondLst>
-                                    <p:cond delay="0"/>
-                                  </p:stCondLst>
-                                  <p:childTnLst>
-                                    <p:set>
-                                      <p:cBhvr>
-                                        <p:cTn id="6" dur="1" fill="hold">
-                                          <p:stCondLst>
-                                            <p:cond delay="0"/>
-                                          </p:stCondLst>
-                                        </p:cTn>
-                                        <p:tgtEl>
-                                          <p:spTgt spid="3">
-                                            <p:txEl>
-                                              <p:pRg st="0" end="0"/>
-                                            </p:txEl>
-                                          </p:spTgt>
-                                        </p:tgtEl>
-                                        <p:attrNameLst>
-                                          <p:attrName>style.visibility</p:attrName>
-                                        </p:attrNameLst>
-                                      </p:cBhvr>
-                                      <p:to>
-                                        <p:strVal val="visible"/>
-                                      </p:to>
-                                    </p:set>
-                                  </p:childTnLst>
-                                </p:cTn>
-                              </p:par>
-                            </p:childTnLst>
-                          </p:cTn>
-                        </p:par>
-                      </p:childTnLst>
-                    </p:cTn>
-                  </p:par>
-                </p:childTnLst>
-              </p:cTn>
-              <p:prevCondLst>
-                <p:cond evt="onPrev" delay="0">
-                  <p:tgtEl>
-                    <p:sldTgt/>
-                  </p:tgtEl>
-                </p:cond>
-              </p:prevCondLst>
-              <p:nextCondLst>
-                <p:cond evt="onNext" delay="0">
-                  <p:tgtEl>
-                    <p:sldTgt/>
-                  </p:tgtEl>
-                </p:cond>
-              </p:nextCondLst>
-            </p:seq>
-          </p:childTnLst>
-        </p:cTn>
-      </p:par>
-    </p:tnLst>
-    <p:bldLst>
-      <p:bldP spid="3" grpId="0" build="p"/>
-    </p:bldLst>
-  </p:timing>
-</p:sld>
-</file>
-
-<file path=ppt/slides/slide50.xml><?xml version="1.0" encoding="utf-8"?>
+<file path=ppt/slides/slide51.xml><?xml version="1.0" encoding="utf-8"?>
 <p:sld xmlns:a="http://schemas.openxmlformats.org/drawingml/2006/main" xmlns:r="http://schemas.openxmlformats.org/officeDocument/2006/relationships" xmlns:p="http://schemas.openxmlformats.org/presentationml/2006/main">
   <p:cSld>
     <p:spTree>
@@ -13881,7 +14141,7 @@
 </p:sld>
 </file>
 
-<file path=ppt/slides/slide51.xml><?xml version="1.0" encoding="utf-8"?>
+<file path=ppt/slides/slide52.xml><?xml version="1.0" encoding="utf-8"?>
 <p:sld xmlns:a="http://schemas.openxmlformats.org/drawingml/2006/main" xmlns:r="http://schemas.openxmlformats.org/officeDocument/2006/relationships" xmlns:p="http://schemas.openxmlformats.org/presentationml/2006/main">
   <p:cSld>
     <p:spTree>
@@ -13969,7 +14229,7 @@
 </p:sld>
 </file>
 
-<file path=ppt/slides/slide52.xml><?xml version="1.0" encoding="utf-8"?>
+<file path=ppt/slides/slide53.xml><?xml version="1.0" encoding="utf-8"?>
 <p:sld xmlns:a="http://schemas.openxmlformats.org/drawingml/2006/main" xmlns:r="http://schemas.openxmlformats.org/officeDocument/2006/relationships" xmlns:p="http://schemas.openxmlformats.org/presentationml/2006/main">
   <p:cSld>
     <p:spTree>
@@ -14359,7 +14619,7 @@
 </p:sld>
 </file>
 
-<file path=ppt/slides/slide53.xml><?xml version="1.0" encoding="utf-8"?>
+<file path=ppt/slides/slide54.xml><?xml version="1.0" encoding="utf-8"?>
 <p:sld xmlns:a="http://schemas.openxmlformats.org/drawingml/2006/main" xmlns:r="http://schemas.openxmlformats.org/officeDocument/2006/relationships" xmlns:p="http://schemas.openxmlformats.org/presentationml/2006/main">
   <p:cSld>
     <p:spTree>
@@ -14444,6 +14704,176 @@
 </file>
 
 <file path=ppt/slides/slide6.xml><?xml version="1.0" encoding="utf-8"?>
+<p:sld xmlns:a="http://schemas.openxmlformats.org/drawingml/2006/main" xmlns:r="http://schemas.openxmlformats.org/officeDocument/2006/relationships" xmlns:p="http://schemas.openxmlformats.org/presentationml/2006/main">
+  <p:cSld>
+    <p:spTree>
+      <p:nvGrpSpPr>
+        <p:cNvPr id="1" name=""/>
+        <p:cNvGrpSpPr/>
+        <p:nvPr/>
+      </p:nvGrpSpPr>
+      <p:grpSpPr>
+        <a:xfrm>
+          <a:off x="0" y="0"/>
+          <a:ext cx="0" cy="0"/>
+          <a:chOff x="0" y="0"/>
+          <a:chExt cx="0" cy="0"/>
+        </a:xfrm>
+      </p:grpSpPr>
+      <p:sp>
+        <p:nvSpPr>
+          <p:cNvPr id="2" name="Title 1">
+            <a:extLst>
+              <a:ext uri="{FF2B5EF4-FFF2-40B4-BE49-F238E27FC236}">
+                <a16:creationId xmlns:a16="http://schemas.microsoft.com/office/drawing/2014/main" id="{F587DA7F-1D90-9AE7-9EDD-5D0627088596}"/>
+              </a:ext>
+            </a:extLst>
+          </p:cNvPr>
+          <p:cNvSpPr>
+            <a:spLocks noGrp="1"/>
+          </p:cNvSpPr>
+          <p:nvPr>
+            <p:ph type="title"/>
+          </p:nvPr>
+        </p:nvSpPr>
+        <p:spPr/>
+        <p:txBody>
+          <a:bodyPr/>
+          <a:lstStyle/>
+          <a:p>
+            <a:r>
+              <a:rPr lang="en-US" dirty="0"/>
+              <a:t>A word on TDD</a:t>
+            </a:r>
+            <a:endParaRPr lang="en-BE" dirty="0"/>
+          </a:p>
+        </p:txBody>
+      </p:sp>
+      <p:sp>
+        <p:nvSpPr>
+          <p:cNvPr id="3" name="Content Placeholder 2">
+            <a:extLst>
+              <a:ext uri="{FF2B5EF4-FFF2-40B4-BE49-F238E27FC236}">
+                <a16:creationId xmlns:a16="http://schemas.microsoft.com/office/drawing/2014/main" id="{72DF0373-D249-4C0A-6D9C-A20532F43CFB}"/>
+              </a:ext>
+            </a:extLst>
+          </p:cNvPr>
+          <p:cNvSpPr>
+            <a:spLocks noGrp="1"/>
+          </p:cNvSpPr>
+          <p:nvPr>
+            <p:ph idx="1"/>
+          </p:nvPr>
+        </p:nvSpPr>
+        <p:spPr/>
+        <p:txBody>
+          <a:bodyPr/>
+          <a:lstStyle/>
+          <a:p>
+            <a:r>
+              <a:rPr lang="en-US" dirty="0"/>
+              <a:t>Cool</a:t>
+            </a:r>
+            <a:endParaRPr lang="en-BE" dirty="0"/>
+          </a:p>
+        </p:txBody>
+      </p:sp>
+    </p:spTree>
+    <p:extLst>
+      <p:ext uri="{BB962C8B-B14F-4D97-AF65-F5344CB8AC3E}">
+        <p14:creationId xmlns:p14="http://schemas.microsoft.com/office/powerpoint/2010/main" val="719773532"/>
+      </p:ext>
+    </p:extLst>
+  </p:cSld>
+  <p:clrMapOvr>
+    <a:masterClrMapping/>
+  </p:clrMapOvr>
+  <p:timing>
+    <p:tnLst>
+      <p:par>
+        <p:cTn id="1" dur="indefinite" restart="never" nodeType="tmRoot">
+          <p:childTnLst>
+            <p:seq concurrent="1" nextAc="seek">
+              <p:cTn id="2" dur="indefinite" nodeType="mainSeq">
+                <p:childTnLst>
+                  <p:par>
+                    <p:cTn id="3" fill="hold">
+                      <p:stCondLst>
+                        <p:cond delay="indefinite"/>
+                      </p:stCondLst>
+                      <p:childTnLst>
+                        <p:par>
+                          <p:cTn id="4" fill="hold">
+                            <p:stCondLst>
+                              <p:cond delay="0"/>
+                            </p:stCondLst>
+                            <p:childTnLst>
+                              <p:par>
+                                <p:cTn id="5" presetID="1" presetClass="entr" presetSubtype="0" fill="hold" grpId="0" nodeType="clickEffect">
+                                  <p:stCondLst>
+                                    <p:cond delay="0"/>
+                                  </p:stCondLst>
+                                  <p:childTnLst>
+                                    <p:set>
+                                      <p:cBhvr>
+                                        <p:cTn id="6" dur="1" fill="hold">
+                                          <p:stCondLst>
+                                            <p:cond delay="0"/>
+                                          </p:stCondLst>
+                                        </p:cTn>
+                                        <p:tgtEl>
+                                          <p:spTgt spid="3">
+                                            <p:txEl>
+                                              <p:pRg st="0" end="0"/>
+                                            </p:txEl>
+                                          </p:spTgt>
+                                        </p:tgtEl>
+                                        <p:attrNameLst>
+                                          <p:attrName>style.visibility</p:attrName>
+                                        </p:attrNameLst>
+                                      </p:cBhvr>
+                                      <p:to>
+                                        <p:strVal val="visible"/>
+                                      </p:to>
+                                    </p:set>
+                                  </p:childTnLst>
+                                </p:cTn>
+                              </p:par>
+                            </p:childTnLst>
+                          </p:cTn>
+                        </p:par>
+                      </p:childTnLst>
+                    </p:cTn>
+                  </p:par>
+                </p:childTnLst>
+              </p:cTn>
+              <p:prevCondLst>
+                <p:cond evt="onPrev" delay="0">
+                  <p:tgtEl>
+                    <p:sldTgt/>
+                  </p:tgtEl>
+                </p:cond>
+              </p:prevCondLst>
+              <p:nextCondLst>
+                <p:cond evt="onNext" delay="0">
+                  <p:tgtEl>
+                    <p:sldTgt/>
+                  </p:tgtEl>
+                </p:cond>
+              </p:nextCondLst>
+            </p:seq>
+          </p:childTnLst>
+        </p:cTn>
+      </p:par>
+    </p:tnLst>
+    <p:bldLst>
+      <p:bldP spid="3" grpId="0" build="p"/>
+    </p:bldLst>
+  </p:timing>
+</p:sld>
+</file>
+
+<file path=ppt/slides/slide7.xml><?xml version="1.0" encoding="utf-8"?>
 <p:sld xmlns:a="http://schemas.openxmlformats.org/drawingml/2006/main" xmlns:r="http://schemas.openxmlformats.org/officeDocument/2006/relationships" xmlns:p="http://schemas.openxmlformats.org/presentationml/2006/main">
   <p:cSld>
     <p:spTree>
@@ -14888,107 +15318,6 @@
 </p:sld>
 </file>
 
-<file path=ppt/slides/slide7.xml><?xml version="1.0" encoding="utf-8"?>
-<p:sld xmlns:a="http://schemas.openxmlformats.org/drawingml/2006/main" xmlns:r="http://schemas.openxmlformats.org/officeDocument/2006/relationships" xmlns:p="http://schemas.openxmlformats.org/presentationml/2006/main">
-  <p:cSld>
-    <p:spTree>
-      <p:nvGrpSpPr>
-        <p:cNvPr id="1" name=""/>
-        <p:cNvGrpSpPr/>
-        <p:nvPr/>
-      </p:nvGrpSpPr>
-      <p:grpSpPr>
-        <a:xfrm>
-          <a:off x="0" y="0"/>
-          <a:ext cx="0" cy="0"/>
-          <a:chOff x="0" y="0"/>
-          <a:chExt cx="0" cy="0"/>
-        </a:xfrm>
-      </p:grpSpPr>
-      <p:sp>
-        <p:nvSpPr>
-          <p:cNvPr id="2" name="Title 1">
-            <a:extLst>
-              <a:ext uri="{FF2B5EF4-FFF2-40B4-BE49-F238E27FC236}">
-                <a16:creationId xmlns:a16="http://schemas.microsoft.com/office/drawing/2014/main" id="{1F9F57FC-B3DA-84BC-0CF3-2AD2769A044D}"/>
-              </a:ext>
-            </a:extLst>
-          </p:cNvPr>
-          <p:cNvSpPr>
-            <a:spLocks noGrp="1"/>
-          </p:cNvSpPr>
-          <p:nvPr>
-            <p:ph type="title"/>
-          </p:nvPr>
-        </p:nvSpPr>
-        <p:spPr/>
-        <p:txBody>
-          <a:bodyPr/>
-          <a:lstStyle/>
-          <a:p>
-            <a:r>
-              <a:rPr lang="en-US" dirty="0"/>
-              <a:t>Let’s do some actual testing</a:t>
-            </a:r>
-            <a:endParaRPr lang="en-BE" dirty="0"/>
-          </a:p>
-        </p:txBody>
-      </p:sp>
-      <p:sp>
-        <p:nvSpPr>
-          <p:cNvPr id="3" name="Content Placeholder 2">
-            <a:extLst>
-              <a:ext uri="{FF2B5EF4-FFF2-40B4-BE49-F238E27FC236}">
-                <a16:creationId xmlns:a16="http://schemas.microsoft.com/office/drawing/2014/main" id="{34346672-8CF8-5B6E-40E9-129D4A9418EC}"/>
-              </a:ext>
-            </a:extLst>
-          </p:cNvPr>
-          <p:cNvSpPr>
-            <a:spLocks noGrp="1"/>
-          </p:cNvSpPr>
-          <p:nvPr>
-            <p:ph idx="1"/>
-          </p:nvPr>
-        </p:nvSpPr>
-        <p:spPr/>
-        <p:txBody>
-          <a:bodyPr/>
-          <a:lstStyle/>
-          <a:p>
-            <a:r>
-              <a:rPr lang="en-US" dirty="0"/>
-              <a:t>Use </a:t>
-            </a:r>
-            <a:r>
-              <a:rPr lang="en-US" dirty="0" err="1"/>
-              <a:t>xUnit</a:t>
-            </a:r>
-            <a:endParaRPr lang="en-US" dirty="0"/>
-          </a:p>
-          <a:p>
-            <a:r>
-              <a:rPr lang="en-US" dirty="0"/>
-              <a:t>Start Simple</a:t>
-            </a:r>
-          </a:p>
-          <a:p>
-            <a:endParaRPr lang="en-BE" dirty="0"/>
-          </a:p>
-        </p:txBody>
-      </p:sp>
-    </p:spTree>
-    <p:extLst>
-      <p:ext uri="{BB962C8B-B14F-4D97-AF65-F5344CB8AC3E}">
-        <p14:creationId xmlns:p14="http://schemas.microsoft.com/office/powerpoint/2010/main" val="666886595"/>
-      </p:ext>
-    </p:extLst>
-  </p:cSld>
-  <p:clrMapOvr>
-    <a:masterClrMapping/>
-  </p:clrMapOvr>
-</p:sld>
-</file>
-
 <file path=ppt/slides/slide8.xml><?xml version="1.0" encoding="utf-8"?>
 <p:sld xmlns:a="http://schemas.openxmlformats.org/drawingml/2006/main" xmlns:r="http://schemas.openxmlformats.org/officeDocument/2006/relationships" xmlns:p="http://schemas.openxmlformats.org/presentationml/2006/main">
   <p:cSld>
@@ -15011,7 +15340,7 @@
           <p:cNvPr id="2" name="Title 1">
             <a:extLst>
               <a:ext uri="{FF2B5EF4-FFF2-40B4-BE49-F238E27FC236}">
-                <a16:creationId xmlns:a16="http://schemas.microsoft.com/office/drawing/2014/main" id="{C6FD01BD-ABD0-FC39-D0D4-3074D07CFFD5}"/>
+                <a16:creationId xmlns:a16="http://schemas.microsoft.com/office/drawing/2014/main" id="{1F9F57FC-B3DA-84BC-0CF3-2AD2769A044D}"/>
               </a:ext>
             </a:extLst>
           </p:cNvPr>
@@ -15029,45 +15358,58 @@
           <a:p>
             <a:r>
               <a:rPr lang="en-US" dirty="0"/>
-              <a:t>Example Test 1</a:t>
+              <a:t>Let’s do some actual testing</a:t>
             </a:r>
             <a:endParaRPr lang="en-BE" dirty="0"/>
           </a:p>
         </p:txBody>
       </p:sp>
-      <p:pic>
-        <p:nvPicPr>
-          <p:cNvPr id="5" name="Content Placeholder 4">
-            <a:extLst>
-              <a:ext uri="{FF2B5EF4-FFF2-40B4-BE49-F238E27FC236}">
-                <a16:creationId xmlns:a16="http://schemas.microsoft.com/office/drawing/2014/main" id="{60EB603A-43CD-52E6-C22B-AD9ECD23B25C}"/>
-              </a:ext>
-            </a:extLst>
-          </p:cNvPr>
-          <p:cNvPicPr>
-            <a:picLocks noGrp="1" noChangeAspect="1"/>
-          </p:cNvPicPr>
+      <p:sp>
+        <p:nvSpPr>
+          <p:cNvPr id="3" name="Content Placeholder 2">
+            <a:extLst>
+              <a:ext uri="{FF2B5EF4-FFF2-40B4-BE49-F238E27FC236}">
+                <a16:creationId xmlns:a16="http://schemas.microsoft.com/office/drawing/2014/main" id="{34346672-8CF8-5B6E-40E9-129D4A9418EC}"/>
+              </a:ext>
+            </a:extLst>
+          </p:cNvPr>
+          <p:cNvSpPr>
+            <a:spLocks noGrp="1"/>
+          </p:cNvSpPr>
           <p:nvPr>
             <p:ph idx="1"/>
           </p:nvPr>
-        </p:nvPicPr>
-        <p:blipFill>
-          <a:blip r:embed="rId2"/>
-          <a:stretch>
-            <a:fillRect/>
-          </a:stretch>
-        </p:blipFill>
-        <p:spPr>
-          <a:xfrm>
-            <a:off x="3056644" y="1825625"/>
-            <a:ext cx="6078712" cy="4351338"/>
-          </a:xfrm>
-        </p:spPr>
-      </p:pic>
+        </p:nvSpPr>
+        <p:spPr/>
+        <p:txBody>
+          <a:bodyPr/>
+          <a:lstStyle/>
+          <a:p>
+            <a:r>
+              <a:rPr lang="en-US" dirty="0"/>
+              <a:t>Use </a:t>
+            </a:r>
+            <a:r>
+              <a:rPr lang="en-US" dirty="0" err="1"/>
+              <a:t>xUnit</a:t>
+            </a:r>
+            <a:endParaRPr lang="en-US" dirty="0"/>
+          </a:p>
+          <a:p>
+            <a:r>
+              <a:rPr lang="en-US" dirty="0"/>
+              <a:t>Start Simple</a:t>
+            </a:r>
+          </a:p>
+          <a:p>
+            <a:endParaRPr lang="en-BE" dirty="0"/>
+          </a:p>
+        </p:txBody>
+      </p:sp>
     </p:spTree>
     <p:extLst>
       <p:ext uri="{BB962C8B-B14F-4D97-AF65-F5344CB8AC3E}">
-        <p14:creationId xmlns:p14="http://schemas.microsoft.com/office/powerpoint/2010/main" val="3269334308"/>
+        <p14:creationId xmlns:p14="http://schemas.microsoft.com/office/powerpoint/2010/main" val="666886595"/>
       </p:ext>
     </p:extLst>
   </p:cSld>
@@ -15099,7 +15441,7 @@
           <p:cNvPr id="2" name="Title 1">
             <a:extLst>
               <a:ext uri="{FF2B5EF4-FFF2-40B4-BE49-F238E27FC236}">
-                <a16:creationId xmlns:a16="http://schemas.microsoft.com/office/drawing/2014/main" id="{A3A05A41-EB81-D24D-AD9C-F7390ED51BC3}"/>
+                <a16:creationId xmlns:a16="http://schemas.microsoft.com/office/drawing/2014/main" id="{C6FD01BD-ABD0-FC39-D0D4-3074D07CFFD5}"/>
               </a:ext>
             </a:extLst>
           </p:cNvPr>
@@ -15117,306 +15459,51 @@
           <a:p>
             <a:r>
               <a:rPr lang="en-US" dirty="0"/>
-              <a:t>Unit Testing Naming Conventions</a:t>
+              <a:t>Example Test 1</a:t>
             </a:r>
             <a:endParaRPr lang="en-BE" dirty="0"/>
           </a:p>
         </p:txBody>
       </p:sp>
-      <p:sp>
-        <p:nvSpPr>
-          <p:cNvPr id="3" name="Content Placeholder 2">
-            <a:extLst>
-              <a:ext uri="{FF2B5EF4-FFF2-40B4-BE49-F238E27FC236}">
-                <a16:creationId xmlns:a16="http://schemas.microsoft.com/office/drawing/2014/main" id="{4DB1CB42-3EB6-96D0-AD88-448558D13144}"/>
-              </a:ext>
-            </a:extLst>
-          </p:cNvPr>
-          <p:cNvSpPr>
-            <a:spLocks noGrp="1"/>
-          </p:cNvSpPr>
+      <p:pic>
+        <p:nvPicPr>
+          <p:cNvPr id="5" name="Content Placeholder 4">
+            <a:extLst>
+              <a:ext uri="{FF2B5EF4-FFF2-40B4-BE49-F238E27FC236}">
+                <a16:creationId xmlns:a16="http://schemas.microsoft.com/office/drawing/2014/main" id="{60EB603A-43CD-52E6-C22B-AD9ECD23B25C}"/>
+              </a:ext>
+            </a:extLst>
+          </p:cNvPr>
+          <p:cNvPicPr>
+            <a:picLocks noGrp="1" noChangeAspect="1"/>
+          </p:cNvPicPr>
           <p:nvPr>
             <p:ph idx="1"/>
           </p:nvPr>
-        </p:nvSpPr>
-        <p:spPr/>
-        <p:txBody>
-          <a:bodyPr/>
-          <a:lstStyle/>
-          <a:p>
-            <a:r>
-              <a:rPr lang="en-US" dirty="0"/>
-              <a:t>Descriptive naming</a:t>
-            </a:r>
-          </a:p>
-          <a:p>
-            <a:r>
-              <a:rPr lang="en-US" dirty="0"/>
-              <a:t>{</a:t>
-            </a:r>
-            <a:r>
-              <a:rPr lang="en-US" dirty="0" err="1"/>
-              <a:t>FunctionToBeTested</a:t>
-            </a:r>
-            <a:r>
-              <a:rPr lang="en-US" dirty="0"/>
-              <a:t>}Should for filename</a:t>
-            </a:r>
-          </a:p>
-          <a:p>
-            <a:r>
-              <a:rPr lang="en-US" dirty="0"/>
-              <a:t>Name of test tells you what should happen</a:t>
-            </a:r>
-          </a:p>
-          <a:p>
-            <a:r>
-              <a:rPr lang="en-US" dirty="0"/>
-              <a:t>Ex: ShouldReturn4For2</a:t>
-            </a:r>
-            <a:endParaRPr lang="en-BE" dirty="0"/>
-          </a:p>
-        </p:txBody>
-      </p:sp>
+        </p:nvPicPr>
+        <p:blipFill>
+          <a:blip r:embed="rId2"/>
+          <a:stretch>
+            <a:fillRect/>
+          </a:stretch>
+        </p:blipFill>
+        <p:spPr>
+          <a:xfrm>
+            <a:off x="3056644" y="1825625"/>
+            <a:ext cx="6078712" cy="4351338"/>
+          </a:xfrm>
+        </p:spPr>
+      </p:pic>
     </p:spTree>
     <p:extLst>
       <p:ext uri="{BB962C8B-B14F-4D97-AF65-F5344CB8AC3E}">
-        <p14:creationId xmlns:p14="http://schemas.microsoft.com/office/powerpoint/2010/main" val="2740632914"/>
+        <p14:creationId xmlns:p14="http://schemas.microsoft.com/office/powerpoint/2010/main" val="3269334308"/>
       </p:ext>
     </p:extLst>
   </p:cSld>
   <p:clrMapOvr>
     <a:masterClrMapping/>
   </p:clrMapOvr>
-  <p:timing>
-    <p:tnLst>
-      <p:par>
-        <p:cTn id="1" dur="indefinite" restart="never" nodeType="tmRoot">
-          <p:childTnLst>
-            <p:seq concurrent="1" nextAc="seek">
-              <p:cTn id="2" dur="indefinite" nodeType="mainSeq">
-                <p:childTnLst>
-                  <p:par>
-                    <p:cTn id="3" fill="hold">
-                      <p:stCondLst>
-                        <p:cond delay="indefinite"/>
-                      </p:stCondLst>
-                      <p:childTnLst>
-                        <p:par>
-                          <p:cTn id="4" fill="hold">
-                            <p:stCondLst>
-                              <p:cond delay="0"/>
-                            </p:stCondLst>
-                            <p:childTnLst>
-                              <p:par>
-                                <p:cTn id="5" presetID="1" presetClass="entr" presetSubtype="0" fill="hold" grpId="0" nodeType="clickEffect">
-                                  <p:stCondLst>
-                                    <p:cond delay="0"/>
-                                  </p:stCondLst>
-                                  <p:childTnLst>
-                                    <p:set>
-                                      <p:cBhvr>
-                                        <p:cTn id="6" dur="1" fill="hold">
-                                          <p:stCondLst>
-                                            <p:cond delay="0"/>
-                                          </p:stCondLst>
-                                        </p:cTn>
-                                        <p:tgtEl>
-                                          <p:spTgt spid="3">
-                                            <p:txEl>
-                                              <p:pRg st="0" end="0"/>
-                                            </p:txEl>
-                                          </p:spTgt>
-                                        </p:tgtEl>
-                                        <p:attrNameLst>
-                                          <p:attrName>style.visibility</p:attrName>
-                                        </p:attrNameLst>
-                                      </p:cBhvr>
-                                      <p:to>
-                                        <p:strVal val="visible"/>
-                                      </p:to>
-                                    </p:set>
-                                  </p:childTnLst>
-                                </p:cTn>
-                              </p:par>
-                            </p:childTnLst>
-                          </p:cTn>
-                        </p:par>
-                      </p:childTnLst>
-                    </p:cTn>
-                  </p:par>
-                  <p:par>
-                    <p:cTn id="7" fill="hold">
-                      <p:stCondLst>
-                        <p:cond delay="indefinite"/>
-                      </p:stCondLst>
-                      <p:childTnLst>
-                        <p:par>
-                          <p:cTn id="8" fill="hold">
-                            <p:stCondLst>
-                              <p:cond delay="0"/>
-                            </p:stCondLst>
-                            <p:childTnLst>
-                              <p:par>
-                                <p:cTn id="9" presetID="1" presetClass="entr" presetSubtype="0" fill="hold" grpId="0" nodeType="clickEffect">
-                                  <p:stCondLst>
-                                    <p:cond delay="0"/>
-                                  </p:stCondLst>
-                                  <p:childTnLst>
-                                    <p:set>
-                                      <p:cBhvr>
-                                        <p:cTn id="10" dur="1" fill="hold">
-                                          <p:stCondLst>
-                                            <p:cond delay="0"/>
-                                          </p:stCondLst>
-                                        </p:cTn>
-                                        <p:tgtEl>
-                                          <p:spTgt spid="3">
-                                            <p:txEl>
-                                              <p:pRg st="1" end="1"/>
-                                            </p:txEl>
-                                          </p:spTgt>
-                                        </p:tgtEl>
-                                        <p:attrNameLst>
-                                          <p:attrName>style.visibility</p:attrName>
-                                        </p:attrNameLst>
-                                      </p:cBhvr>
-                                      <p:to>
-                                        <p:strVal val="visible"/>
-                                      </p:to>
-                                    </p:set>
-                                  </p:childTnLst>
-                                </p:cTn>
-                              </p:par>
-                            </p:childTnLst>
-                          </p:cTn>
-                        </p:par>
-                      </p:childTnLst>
-                    </p:cTn>
-                  </p:par>
-                  <p:par>
-                    <p:cTn id="11" fill="hold">
-                      <p:stCondLst>
-                        <p:cond delay="indefinite"/>
-                      </p:stCondLst>
-                      <p:childTnLst>
-                        <p:par>
-                          <p:cTn id="12" fill="hold">
-                            <p:stCondLst>
-                              <p:cond delay="0"/>
-                            </p:stCondLst>
-                            <p:childTnLst>
-                              <p:par>
-                                <p:cTn id="13" presetID="1" presetClass="entr" presetSubtype="0" fill="hold" grpId="0" nodeType="clickEffect">
-                                  <p:stCondLst>
-                                    <p:cond delay="0"/>
-                                  </p:stCondLst>
-                                  <p:childTnLst>
-                                    <p:set>
-                                      <p:cBhvr>
-                                        <p:cTn id="14" dur="1" fill="hold">
-                                          <p:stCondLst>
-                                            <p:cond delay="0"/>
-                                          </p:stCondLst>
-                                        </p:cTn>
-                                        <p:tgtEl>
-                                          <p:spTgt spid="3">
-                                            <p:txEl>
-                                              <p:pRg st="2" end="2"/>
-                                            </p:txEl>
-                                          </p:spTgt>
-                                        </p:tgtEl>
-                                        <p:attrNameLst>
-                                          <p:attrName>style.visibility</p:attrName>
-                                        </p:attrNameLst>
-                                      </p:cBhvr>
-                                      <p:to>
-                                        <p:strVal val="visible"/>
-                                      </p:to>
-                                    </p:set>
-                                  </p:childTnLst>
-                                </p:cTn>
-                              </p:par>
-                            </p:childTnLst>
-                          </p:cTn>
-                        </p:par>
-                      </p:childTnLst>
-                    </p:cTn>
-                  </p:par>
-                  <p:par>
-                    <p:cTn id="15" fill="hold">
-                      <p:stCondLst>
-                        <p:cond delay="indefinite"/>
-                      </p:stCondLst>
-                      <p:childTnLst>
-                        <p:par>
-                          <p:cTn id="16" fill="hold">
-                            <p:stCondLst>
-                              <p:cond delay="0"/>
-                            </p:stCondLst>
-                            <p:childTnLst>
-                              <p:par>
-                                <p:cTn id="17" presetID="1" presetClass="entr" presetSubtype="0" fill="hold" grpId="0" nodeType="clickEffect">
-                                  <p:stCondLst>
-                                    <p:cond delay="0"/>
-                                  </p:stCondLst>
-                                  <p:childTnLst>
-                                    <p:set>
-                                      <p:cBhvr>
-                                        <p:cTn id="18" dur="1" fill="hold">
-                                          <p:stCondLst>
-                                            <p:cond delay="0"/>
-                                          </p:stCondLst>
-                                        </p:cTn>
-                                        <p:tgtEl>
-                                          <p:spTgt spid="3">
-                                            <p:txEl>
-                                              <p:pRg st="3" end="3"/>
-                                            </p:txEl>
-                                          </p:spTgt>
-                                        </p:tgtEl>
-                                        <p:attrNameLst>
-                                          <p:attrName>style.visibility</p:attrName>
-                                        </p:attrNameLst>
-                                      </p:cBhvr>
-                                      <p:to>
-                                        <p:strVal val="visible"/>
-                                      </p:to>
-                                    </p:set>
-                                  </p:childTnLst>
-                                </p:cTn>
-                              </p:par>
-                            </p:childTnLst>
-                          </p:cTn>
-                        </p:par>
-                      </p:childTnLst>
-                    </p:cTn>
-                  </p:par>
-                </p:childTnLst>
-              </p:cTn>
-              <p:prevCondLst>
-                <p:cond evt="onPrev" delay="0">
-                  <p:tgtEl>
-                    <p:sldTgt/>
-                  </p:tgtEl>
-                </p:cond>
-              </p:prevCondLst>
-              <p:nextCondLst>
-                <p:cond evt="onNext" delay="0">
-                  <p:tgtEl>
-                    <p:sldTgt/>
-                  </p:tgtEl>
-                </p:cond>
-              </p:nextCondLst>
-            </p:seq>
-          </p:childTnLst>
-        </p:cTn>
-      </p:par>
-    </p:tnLst>
-    <p:bldLst>
-      <p:bldP spid="3" grpId="0" build="p"/>
-    </p:bldLst>
-  </p:timing>
 </p:sld>
 </file>
 
